--- a/HC10/HC10_EN.pptx
+++ b/HC10/HC10_EN.pptx
@@ -5,10 +5,10 @@
     <p:sldMasterId id="2147483672" r:id="rId1"/>
   </p:sldMasterIdLst>
   <p:notesMasterIdLst>
-    <p:notesMasterId r:id="rId32"/>
+    <p:notesMasterId r:id="rId33"/>
   </p:notesMasterIdLst>
   <p:handoutMasterIdLst>
-    <p:handoutMasterId r:id="rId33"/>
+    <p:handoutMasterId r:id="rId34"/>
   </p:handoutMasterIdLst>
   <p:sldIdLst>
     <p:sldId id="308" r:id="rId2"/>
@@ -30,17 +30,18 @@
     <p:sldId id="559" r:id="rId18"/>
     <p:sldId id="560" r:id="rId19"/>
     <p:sldId id="561" r:id="rId20"/>
-    <p:sldId id="562" r:id="rId21"/>
-    <p:sldId id="563" r:id="rId22"/>
-    <p:sldId id="564" r:id="rId23"/>
-    <p:sldId id="565" r:id="rId24"/>
-    <p:sldId id="566" r:id="rId25"/>
-    <p:sldId id="567" r:id="rId26"/>
-    <p:sldId id="568" r:id="rId27"/>
-    <p:sldId id="570" r:id="rId28"/>
-    <p:sldId id="569" r:id="rId29"/>
-    <p:sldId id="571" r:id="rId30"/>
-    <p:sldId id="543" r:id="rId31"/>
+    <p:sldId id="575" r:id="rId21"/>
+    <p:sldId id="562" r:id="rId22"/>
+    <p:sldId id="563" r:id="rId23"/>
+    <p:sldId id="564" r:id="rId24"/>
+    <p:sldId id="565" r:id="rId25"/>
+    <p:sldId id="566" r:id="rId26"/>
+    <p:sldId id="567" r:id="rId27"/>
+    <p:sldId id="568" r:id="rId28"/>
+    <p:sldId id="570" r:id="rId29"/>
+    <p:sldId id="569" r:id="rId30"/>
+    <p:sldId id="571" r:id="rId31"/>
+    <p:sldId id="543" r:id="rId32"/>
   </p:sldIdLst>
   <p:sldSz cx="12192000" cy="6858000"/>
   <p:notesSz cx="6669088" cy="9753600"/>
@@ -159,6 +160,89 @@
 </p:cmAuthorLst>
 </file>
 
+<file path=ppt/revisionInfo.xml><?xml version="1.0" encoding="utf-8"?>
+<p1510:revInfo xmlns:a="http://schemas.openxmlformats.org/drawingml/2006/main" xmlns:r="http://schemas.openxmlformats.org/officeDocument/2006/relationships" xmlns:p1510="http://schemas.microsoft.com/office/powerpoint/2015/10/main">
+  <p1510:revLst>
+    <p1510:client id="{40DD7E79-A515-4504-8C66-B4D529E6EFAF}" v="2" dt="2025-04-27T09:23:41.866"/>
+  </p1510:revLst>
+</p1510:revInfo>
+</file>
+
+<file path=ppt/changesInfos/changesInfo1.xml><?xml version="1.0" encoding="utf-8"?>
+<pc:chgInfo xmlns:a="http://schemas.openxmlformats.org/drawingml/2006/main" xmlns:r="http://schemas.openxmlformats.org/officeDocument/2006/relationships" xmlns:ac="http://schemas.microsoft.com/office/drawing/2013/main/command" xmlns:pc="http://schemas.microsoft.com/office/powerpoint/2013/main/command">
+  <pc:docChgLst>
+    <pc:chgData name="Caspar van Lissa" userId="66f0d9d8-5e0d-4c8f-a33e-eb362e4340e3" providerId="ADAL" clId="{40DD7E79-A515-4504-8C66-B4D529E6EFAF}"/>
+    <pc:docChg chg="undo custSel addSld modSld">
+      <pc:chgData name="Caspar van Lissa" userId="66f0d9d8-5e0d-4c8f-a33e-eb362e4340e3" providerId="ADAL" clId="{40DD7E79-A515-4504-8C66-B4D529E6EFAF}" dt="2025-04-27T09:33:52.607" v="249" actId="1076"/>
+      <pc:docMkLst>
+        <pc:docMk/>
+      </pc:docMkLst>
+      <pc:sldChg chg="modSp mod">
+        <pc:chgData name="Caspar van Lissa" userId="66f0d9d8-5e0d-4c8f-a33e-eb362e4340e3" providerId="ADAL" clId="{40DD7E79-A515-4504-8C66-B4D529E6EFAF}" dt="2025-04-27T09:19:48.770" v="86" actId="20577"/>
+        <pc:sldMkLst>
+          <pc:docMk/>
+          <pc:sldMk cId="1842221432" sldId="545"/>
+        </pc:sldMkLst>
+        <pc:spChg chg="mod">
+          <ac:chgData name="Caspar van Lissa" userId="66f0d9d8-5e0d-4c8f-a33e-eb362e4340e3" providerId="ADAL" clId="{40DD7E79-A515-4504-8C66-B4D529E6EFAF}" dt="2025-04-27T09:19:48.770" v="86" actId="20577"/>
+          <ac:spMkLst>
+            <pc:docMk/>
+            <pc:sldMk cId="1842221432" sldId="545"/>
+            <ac:spMk id="3" creationId="{00000000-0000-0000-0000-000000000000}"/>
+          </ac:spMkLst>
+        </pc:spChg>
+      </pc:sldChg>
+      <pc:sldChg chg="modSp mod">
+        <pc:chgData name="Caspar van Lissa" userId="66f0d9d8-5e0d-4c8f-a33e-eb362e4340e3" providerId="ADAL" clId="{40DD7E79-A515-4504-8C66-B4D529E6EFAF}" dt="2025-04-27T09:24:14.496" v="239" actId="20577"/>
+        <pc:sldMkLst>
+          <pc:docMk/>
+          <pc:sldMk cId="1374286573" sldId="551"/>
+        </pc:sldMkLst>
+        <pc:spChg chg="mod">
+          <ac:chgData name="Caspar van Lissa" userId="66f0d9d8-5e0d-4c8f-a33e-eb362e4340e3" providerId="ADAL" clId="{40DD7E79-A515-4504-8C66-B4D529E6EFAF}" dt="2025-04-27T09:24:14.496" v="239" actId="20577"/>
+          <ac:spMkLst>
+            <pc:docMk/>
+            <pc:sldMk cId="1374286573" sldId="551"/>
+            <ac:spMk id="3" creationId="{00000000-0000-0000-0000-000000000000}"/>
+          </ac:spMkLst>
+        </pc:spChg>
+      </pc:sldChg>
+      <pc:sldChg chg="addSp modSp new mod">
+        <pc:chgData name="Caspar van Lissa" userId="66f0d9d8-5e0d-4c8f-a33e-eb362e4340e3" providerId="ADAL" clId="{40DD7E79-A515-4504-8C66-B4D529E6EFAF}" dt="2025-04-27T09:33:52.607" v="249" actId="1076"/>
+        <pc:sldMkLst>
+          <pc:docMk/>
+          <pc:sldMk cId="946787439" sldId="575"/>
+        </pc:sldMkLst>
+        <pc:picChg chg="add mod">
+          <ac:chgData name="Caspar van Lissa" userId="66f0d9d8-5e0d-4c8f-a33e-eb362e4340e3" providerId="ADAL" clId="{40DD7E79-A515-4504-8C66-B4D529E6EFAF}" dt="2025-04-27T09:33:07.038" v="246" actId="14100"/>
+          <ac:picMkLst>
+            <pc:docMk/>
+            <pc:sldMk cId="946787439" sldId="575"/>
+            <ac:picMk id="7" creationId="{AD6FECDC-0443-7BF3-B0BF-DA0B080B9B14}"/>
+          </ac:picMkLst>
+        </pc:picChg>
+        <pc:picChg chg="add mod">
+          <ac:chgData name="Caspar van Lissa" userId="66f0d9d8-5e0d-4c8f-a33e-eb362e4340e3" providerId="ADAL" clId="{40DD7E79-A515-4504-8C66-B4D529E6EFAF}" dt="2025-04-27T09:33:10.830" v="247" actId="1076"/>
+          <ac:picMkLst>
+            <pc:docMk/>
+            <pc:sldMk cId="946787439" sldId="575"/>
+            <ac:picMk id="9" creationId="{9933B7BE-33BA-CB8C-45F0-A49C6313871D}"/>
+          </ac:picMkLst>
+        </pc:picChg>
+        <pc:picChg chg="add mod">
+          <ac:chgData name="Caspar van Lissa" userId="66f0d9d8-5e0d-4c8f-a33e-eb362e4340e3" providerId="ADAL" clId="{40DD7E79-A515-4504-8C66-B4D529E6EFAF}" dt="2025-04-27T09:33:52.607" v="249" actId="1076"/>
+          <ac:picMkLst>
+            <pc:docMk/>
+            <pc:sldMk cId="946787439" sldId="575"/>
+            <ac:picMk id="11" creationId="{5A143613-1DD5-447E-C104-14FBEDF7777E}"/>
+          </ac:picMkLst>
+        </pc:picChg>
+      </pc:sldChg>
+    </pc:docChg>
+  </pc:docChgLst>
+</pc:chgInfo>
+</file>
+
 <file path=ppt/handoutMasters/handoutMaster1.xml><?xml version="1.0" encoding="utf-8"?>
 <p:handoutMaster xmlns:a="http://schemas.openxmlformats.org/drawingml/2006/main" xmlns:r="http://schemas.openxmlformats.org/officeDocument/2006/relationships" xmlns:p="http://schemas.openxmlformats.org/presentationml/2006/main">
   <p:cSld>
@@ -241,7 +325,7 @@
           <a:p>
             <a:fld id="{E7C94BC4-5B77-4BEA-AE10-D37FB4958CB3}" type="datetimeFigureOut">
               <a:rPr lang="en-US" smtClean="0"/>
-              <a:t>5/2/2023</a:t>
+              <a:t>4/27/2025</a:t>
             </a:fld>
             <a:endParaRPr lang="en-US" dirty="0"/>
           </a:p>
@@ -406,7 +490,7 @@
           <a:p>
             <a:fld id="{3D057A1C-535D-42DB-8B7E-CBD05FB93862}" type="datetimeFigureOut">
               <a:rPr lang="en-US" smtClean="0"/>
-              <a:t>5/2/2023</a:t>
+              <a:t>4/27/2025</a:t>
             </a:fld>
             <a:endParaRPr lang="en-US" dirty="0"/>
           </a:p>
@@ -1602,11 +1686,7 @@
           <a:bodyPr/>
           <a:lstStyle/>
           <a:p>
-            <a:pPr marL="0" indent="0">
-              <a:buFontTx/>
-              <a:buNone/>
-            </a:pPr>
-            <a:endParaRPr lang="en-US" dirty="0"/>
+            <a:endParaRPr lang="nl-NL" dirty="0"/>
           </a:p>
         </p:txBody>
       </p:sp>
@@ -1617,7 +1697,7 @@
             <a:spLocks noGrp="1"/>
           </p:cNvSpPr>
           <p:nvPr>
-            <p:ph type="sldNum" sz="quarter" idx="10"/>
+            <p:ph type="sldNum" sz="quarter" idx="5"/>
           </p:nvPr>
         </p:nvSpPr>
         <p:spPr/>
@@ -1625,18 +1705,18 @@
           <a:bodyPr/>
           <a:lstStyle/>
           <a:p>
-            <a:fld id="{63D7B632-1023-4B23-839C-F4EE98A23C2A}" type="slidenum">
-              <a:rPr lang="nl-NL" smtClean="0"/>
+            <a:fld id="{3F717809-2922-4189-8AFF-BC2E07D309D3}" type="slidenum">
+              <a:rPr lang="en-US" smtClean="0"/>
               <a:t>20</a:t>
             </a:fld>
-            <a:endParaRPr lang="nl-NL" dirty="0"/>
+            <a:endParaRPr lang="en-US" dirty="0"/>
           </a:p>
         </p:txBody>
       </p:sp>
     </p:spTree>
     <p:extLst>
       <p:ext uri="{BB962C8B-B14F-4D97-AF65-F5344CB8AC3E}">
-        <p14:creationId xmlns:p14="http://schemas.microsoft.com/office/powerpoint/2010/main" val="3576728975"/>
+        <p14:creationId xmlns:p14="http://schemas.microsoft.com/office/powerpoint/2010/main" val="295547380"/>
       </p:ext>
     </p:extLst>
   </p:cSld>
@@ -1778,14 +1858,6 @@
               <a:buFontTx/>
               <a:buNone/>
             </a:pPr>
-            <a:r>
-              <a:rPr lang="en-US" dirty="0"/>
-              <a:t>Robbie: Maybe showing again that these</a:t>
-            </a:r>
-            <a:r>
-              <a:rPr lang="en-US" baseline="0" dirty="0"/>
-              <a:t> contrasts are not orthogonal</a:t>
-            </a:r>
             <a:endParaRPr lang="en-US" dirty="0"/>
           </a:p>
         </p:txBody>
@@ -1816,7 +1888,7 @@
     </p:spTree>
     <p:extLst>
       <p:ext uri="{BB962C8B-B14F-4D97-AF65-F5344CB8AC3E}">
-        <p14:creationId xmlns:p14="http://schemas.microsoft.com/office/powerpoint/2010/main" val="4028057124"/>
+        <p14:creationId xmlns:p14="http://schemas.microsoft.com/office/powerpoint/2010/main" val="3576728975"/>
       </p:ext>
     </p:extLst>
   </p:cSld>
@@ -1874,6 +1946,14 @@
               <a:buFontTx/>
               <a:buNone/>
             </a:pPr>
+            <a:r>
+              <a:rPr lang="en-US" dirty="0"/>
+              <a:t>Robbie: Maybe showing again that these</a:t>
+            </a:r>
+            <a:r>
+              <a:rPr lang="en-US" baseline="0" dirty="0"/>
+              <a:t> contrasts are not orthogonal</a:t>
+            </a:r>
             <a:endParaRPr lang="en-US" dirty="0"/>
           </a:p>
         </p:txBody>
@@ -1904,7 +1984,7 @@
     </p:spTree>
     <p:extLst>
       <p:ext uri="{BB962C8B-B14F-4D97-AF65-F5344CB8AC3E}">
-        <p14:creationId xmlns:p14="http://schemas.microsoft.com/office/powerpoint/2010/main" val="951393822"/>
+        <p14:creationId xmlns:p14="http://schemas.microsoft.com/office/powerpoint/2010/main" val="4028057124"/>
       </p:ext>
     </p:extLst>
   </p:cSld>
@@ -1992,7 +2072,7 @@
     </p:spTree>
     <p:extLst>
       <p:ext uri="{BB962C8B-B14F-4D97-AF65-F5344CB8AC3E}">
-        <p14:creationId xmlns:p14="http://schemas.microsoft.com/office/powerpoint/2010/main" val="2255376328"/>
+        <p14:creationId xmlns:p14="http://schemas.microsoft.com/office/powerpoint/2010/main" val="951393822"/>
       </p:ext>
     </p:extLst>
   </p:cSld>
@@ -2080,7 +2160,7 @@
     </p:spTree>
     <p:extLst>
       <p:ext uri="{BB962C8B-B14F-4D97-AF65-F5344CB8AC3E}">
-        <p14:creationId xmlns:p14="http://schemas.microsoft.com/office/powerpoint/2010/main" val="2923986429"/>
+        <p14:creationId xmlns:p14="http://schemas.microsoft.com/office/powerpoint/2010/main" val="2255376328"/>
       </p:ext>
     </p:extLst>
   </p:cSld>
@@ -2168,7 +2248,7 @@
     </p:spTree>
     <p:extLst>
       <p:ext uri="{BB962C8B-B14F-4D97-AF65-F5344CB8AC3E}">
-        <p14:creationId xmlns:p14="http://schemas.microsoft.com/office/powerpoint/2010/main" val="4027964802"/>
+        <p14:creationId xmlns:p14="http://schemas.microsoft.com/office/powerpoint/2010/main" val="2923986429"/>
       </p:ext>
     </p:extLst>
   </p:cSld>
@@ -2256,7 +2336,7 @@
     </p:spTree>
     <p:extLst>
       <p:ext uri="{BB962C8B-B14F-4D97-AF65-F5344CB8AC3E}">
-        <p14:creationId xmlns:p14="http://schemas.microsoft.com/office/powerpoint/2010/main" val="2723123780"/>
+        <p14:creationId xmlns:p14="http://schemas.microsoft.com/office/powerpoint/2010/main" val="4027964802"/>
       </p:ext>
     </p:extLst>
   </p:cSld>
@@ -2314,14 +2394,6 @@
               <a:buFontTx/>
               <a:buNone/>
             </a:pPr>
-            <a:r>
-              <a:rPr lang="en-US" dirty="0"/>
-              <a:t>Robbie: Teken plaatje o.b.v. gemiddelden om</a:t>
-            </a:r>
-            <a:r>
-              <a:rPr lang="en-US" baseline="0" dirty="0"/>
-              <a:t> te laten zien of het positieve of negatieve effecten zijn</a:t>
-            </a:r>
             <a:endParaRPr lang="en-US" dirty="0"/>
           </a:p>
         </p:txBody>
@@ -2352,7 +2424,7 @@
     </p:spTree>
     <p:extLst>
       <p:ext uri="{BB962C8B-B14F-4D97-AF65-F5344CB8AC3E}">
-        <p14:creationId xmlns:p14="http://schemas.microsoft.com/office/powerpoint/2010/main" val="703268241"/>
+        <p14:creationId xmlns:p14="http://schemas.microsoft.com/office/powerpoint/2010/main" val="2723123780"/>
       </p:ext>
     </p:extLst>
   </p:cSld>
@@ -2410,6 +2482,14 @@
               <a:buFontTx/>
               <a:buNone/>
             </a:pPr>
+            <a:r>
+              <a:rPr lang="en-US" dirty="0"/>
+              <a:t>Robbie: Teken plaatje o.b.v. gemiddelden om</a:t>
+            </a:r>
+            <a:r>
+              <a:rPr lang="en-US" baseline="0" dirty="0"/>
+              <a:t> te laten zien of het positieve of negatieve effecten zijn</a:t>
+            </a:r>
             <a:endParaRPr lang="en-US" dirty="0"/>
           </a:p>
         </p:txBody>
@@ -2440,7 +2520,7 @@
     </p:spTree>
     <p:extLst>
       <p:ext uri="{BB962C8B-B14F-4D97-AF65-F5344CB8AC3E}">
-        <p14:creationId xmlns:p14="http://schemas.microsoft.com/office/powerpoint/2010/main" val="1679208228"/>
+        <p14:creationId xmlns:p14="http://schemas.microsoft.com/office/powerpoint/2010/main" val="703268241"/>
       </p:ext>
     </p:extLst>
   </p:cSld>
@@ -2520,6 +2600,94 @@
             <a:fld id="{63D7B632-1023-4B23-839C-F4EE98A23C2A}" type="slidenum">
               <a:rPr lang="nl-NL" smtClean="0"/>
               <a:t>29</a:t>
+            </a:fld>
+            <a:endParaRPr lang="nl-NL" dirty="0"/>
+          </a:p>
+        </p:txBody>
+      </p:sp>
+    </p:spTree>
+    <p:extLst>
+      <p:ext uri="{BB962C8B-B14F-4D97-AF65-F5344CB8AC3E}">
+        <p14:creationId xmlns:p14="http://schemas.microsoft.com/office/powerpoint/2010/main" val="1679208228"/>
+      </p:ext>
+    </p:extLst>
+  </p:cSld>
+  <p:clrMapOvr>
+    <a:masterClrMapping/>
+  </p:clrMapOvr>
+</p:notes>
+</file>
+
+<file path=ppt/notesSlides/notesSlide29.xml><?xml version="1.0" encoding="utf-8"?>
+<p:notes xmlns:a="http://schemas.openxmlformats.org/drawingml/2006/main" xmlns:r="http://schemas.openxmlformats.org/officeDocument/2006/relationships" xmlns:p="http://schemas.openxmlformats.org/presentationml/2006/main">
+  <p:cSld>
+    <p:spTree>
+      <p:nvGrpSpPr>
+        <p:cNvPr id="1" name=""/>
+        <p:cNvGrpSpPr/>
+        <p:nvPr/>
+      </p:nvGrpSpPr>
+      <p:grpSpPr>
+        <a:xfrm>
+          <a:off x="0" y="0"/>
+          <a:ext cx="0" cy="0"/>
+          <a:chOff x="0" y="0"/>
+          <a:chExt cx="0" cy="0"/>
+        </a:xfrm>
+      </p:grpSpPr>
+      <p:sp>
+        <p:nvSpPr>
+          <p:cNvPr id="2" name="Slide Image Placeholder 1"/>
+          <p:cNvSpPr>
+            <a:spLocks noGrp="1" noRot="1" noChangeAspect="1"/>
+          </p:cNvSpPr>
+          <p:nvPr>
+            <p:ph type="sldImg"/>
+          </p:nvPr>
+        </p:nvSpPr>
+        <p:spPr/>
+      </p:sp>
+      <p:sp>
+        <p:nvSpPr>
+          <p:cNvPr id="3" name="Notes Placeholder 2"/>
+          <p:cNvSpPr>
+            <a:spLocks noGrp="1"/>
+          </p:cNvSpPr>
+          <p:nvPr>
+            <p:ph type="body" idx="1"/>
+          </p:nvPr>
+        </p:nvSpPr>
+        <p:spPr/>
+        <p:txBody>
+          <a:bodyPr/>
+          <a:lstStyle/>
+          <a:p>
+            <a:pPr marL="0" indent="0">
+              <a:buFontTx/>
+              <a:buNone/>
+            </a:pPr>
+            <a:endParaRPr lang="en-US" dirty="0"/>
+          </a:p>
+        </p:txBody>
+      </p:sp>
+      <p:sp>
+        <p:nvSpPr>
+          <p:cNvPr id="4" name="Slide Number Placeholder 3"/>
+          <p:cNvSpPr>
+            <a:spLocks noGrp="1"/>
+          </p:cNvSpPr>
+          <p:nvPr>
+            <p:ph type="sldNum" sz="quarter" idx="10"/>
+          </p:nvPr>
+        </p:nvSpPr>
+        <p:spPr/>
+        <p:txBody>
+          <a:bodyPr/>
+          <a:lstStyle/>
+          <a:p>
+            <a:fld id="{63D7B632-1023-4B23-839C-F4EE98A23C2A}" type="slidenum">
+              <a:rPr lang="nl-NL" smtClean="0"/>
+              <a:t>30</a:t>
             </a:fld>
             <a:endParaRPr lang="nl-NL" dirty="0"/>
           </a:p>
@@ -3292,7 +3460,7 @@
           <a:p>
             <a:fld id="{B8E9423A-67F3-4A10-BA0F-57FBAB9F4AF6}" type="datetime1">
               <a:rPr lang="en-US" smtClean="0"/>
-              <a:t>5/2/2023</a:t>
+              <a:t>4/27/2025</a:t>
             </a:fld>
             <a:endParaRPr lang="en-US" dirty="0"/>
           </a:p>
@@ -3465,7 +3633,7 @@
           <a:p>
             <a:fld id="{40D42794-DEAA-4B47-8777-45A5D0CC2CA1}" type="datetime1">
               <a:rPr lang="en-US" smtClean="0"/>
-              <a:t>5/2/2023</a:t>
+              <a:t>4/27/2025</a:t>
             </a:fld>
             <a:endParaRPr lang="en-US" dirty="0"/>
           </a:p>
@@ -3648,7 +3816,7 @@
           <a:p>
             <a:fld id="{A8ACDB27-3B3B-4ED0-8E12-3438D776008C}" type="datetime1">
               <a:rPr lang="en-US" smtClean="0"/>
-              <a:t>5/2/2023</a:t>
+              <a:t>4/27/2025</a:t>
             </a:fld>
             <a:endParaRPr lang="en-US" dirty="0"/>
           </a:p>
@@ -3821,7 +3989,7 @@
           <a:p>
             <a:fld id="{BB538A61-24CD-4B3C-A793-2FDB908A6FA1}" type="datetime1">
               <a:rPr lang="en-US" smtClean="0"/>
-              <a:t>5/2/2023</a:t>
+              <a:t>4/27/2025</a:t>
             </a:fld>
             <a:endParaRPr lang="en-US" dirty="0"/>
           </a:p>
@@ -4070,7 +4238,7 @@
           <a:p>
             <a:fld id="{6BEE553D-E1E7-412A-A9AF-D5E8C9A2986A}" type="datetime1">
               <a:rPr lang="en-US" smtClean="0"/>
-              <a:t>5/2/2023</a:t>
+              <a:t>4/27/2025</a:t>
             </a:fld>
             <a:endParaRPr lang="en-US" dirty="0"/>
           </a:p>
@@ -4305,7 +4473,7 @@
           <a:p>
             <a:fld id="{782A1201-120F-40C0-85D3-3210C6C8B742}" type="datetime1">
               <a:rPr lang="en-US" smtClean="0"/>
-              <a:t>5/2/2023</a:t>
+              <a:t>4/27/2025</a:t>
             </a:fld>
             <a:endParaRPr lang="en-US" dirty="0"/>
           </a:p>
@@ -4675,7 +4843,7 @@
           <a:p>
             <a:fld id="{A204E0D8-8CD1-4FBD-85BD-53D32B39FE38}" type="datetime1">
               <a:rPr lang="en-US" smtClean="0"/>
-              <a:t>5/2/2023</a:t>
+              <a:t>4/27/2025</a:t>
             </a:fld>
             <a:endParaRPr lang="en-US" dirty="0"/>
           </a:p>
@@ -4796,7 +4964,7 @@
           <a:p>
             <a:fld id="{C0048D33-F2D6-4AC5-BE9C-F44A34F95CBA}" type="datetime1">
               <a:rPr lang="en-US" smtClean="0"/>
-              <a:t>5/2/2023</a:t>
+              <a:t>4/27/2025</a:t>
             </a:fld>
             <a:endParaRPr lang="en-US" dirty="0"/>
           </a:p>
@@ -4894,7 +5062,7 @@
           <a:p>
             <a:fld id="{67421E03-7967-4728-B188-8B9831D8272B}" type="datetime1">
               <a:rPr lang="en-US" smtClean="0"/>
-              <a:t>5/2/2023</a:t>
+              <a:t>4/27/2025</a:t>
             </a:fld>
             <a:endParaRPr lang="en-US" dirty="0"/>
           </a:p>
@@ -5174,7 +5342,7 @@
           <a:p>
             <a:fld id="{DD6CE49F-5430-4C36-B660-DFC90197A36A}" type="datetime1">
               <a:rPr lang="en-US" smtClean="0"/>
-              <a:t>5/2/2023</a:t>
+              <a:t>4/27/2025</a:t>
             </a:fld>
             <a:endParaRPr lang="en-US" dirty="0"/>
           </a:p>
@@ -5433,7 +5601,7 @@
           <a:p>
             <a:fld id="{587FA080-D2E7-4DF3-963D-78BB9A351B8C}" type="datetime1">
               <a:rPr lang="en-US" smtClean="0"/>
-              <a:t>5/2/2023</a:t>
+              <a:t>4/27/2025</a:t>
             </a:fld>
             <a:endParaRPr lang="en-US" dirty="0"/>
           </a:p>
@@ -5649,7 +5817,7 @@
           <a:p>
             <a:fld id="{C838632D-C378-4D25-809E-DC3067FFEFBB}" type="datetime1">
               <a:rPr lang="en-US" smtClean="0"/>
-              <a:t>5/2/2023</a:t>
+              <a:t>4/27/2025</a:t>
             </a:fld>
             <a:endParaRPr lang="en-US" dirty="0"/>
           </a:p>
@@ -9194,6 +9362,37 @@
               </a:rPr>
               <a:t>Sphericity assumption is very complicated  understanding is not so important and we focus on interpretation</a:t>
             </a:r>
+            <a:br>
+              <a:rPr lang="en-US" sz="1900" dirty="0">
+                <a:sym typeface="Wingdings" panose="05000000000000000000" pitchFamily="2" charset="2"/>
+              </a:rPr>
+            </a:br>
+            <a:r>
+              <a:rPr lang="en-US" sz="1900" i="1" dirty="0">
+                <a:solidFill>
+                  <a:srgbClr val="FF0000"/>
+                </a:solidFill>
+                <a:sym typeface="Wingdings" panose="05000000000000000000" pitchFamily="2" charset="2"/>
+              </a:rPr>
+              <a:t>It’s just a generalization of the assumption of homoscedasticity: v</a:t>
+            </a:r>
+            <a:r>
+              <a:rPr lang="en-US" sz="1900" i="1" dirty="0">
+                <a:solidFill>
+                  <a:srgbClr val="FF0000"/>
+                </a:solidFill>
+              </a:rPr>
+              <a:t>ariances of the differences between all combinations of groups are equal (and normal</a:t>
+            </a:r>
+            <a:r>
+              <a:rPr lang="en-US" sz="1900" i="1" dirty="0">
+                <a:solidFill>
+                  <a:srgbClr val="FF0000"/>
+                </a:solidFill>
+                <a:sym typeface="Wingdings" panose="05000000000000000000" pitchFamily="2" charset="2"/>
+              </a:rPr>
+              <a:t>)</a:t>
+            </a:r>
           </a:p>
           <a:p>
             <a:endParaRPr lang="en-US" sz="1900" noProof="0" dirty="0">
@@ -9204,7 +9403,7 @@
             <a:pPr lvl="0"/>
             <a:r>
               <a:rPr lang="en-US" sz="1900" noProof="0" dirty="0"/>
-              <a:t>Test is not robust against violation of </a:t>
+              <a:t>RM ANOVA is not robust against violation of </a:t>
             </a:r>
             <a:r>
               <a:rPr lang="en-US" sz="1900" i="1" noProof="0" dirty="0"/>
@@ -11509,7 +11708,13 @@
       </p:grpSpPr>
       <p:sp>
         <p:nvSpPr>
-          <p:cNvPr id="2" name="Title 1"/>
+          <p:cNvPr id="2" name="Title 1">
+            <a:extLst>
+              <a:ext uri="{FF2B5EF4-FFF2-40B4-BE49-F238E27FC236}">
+                <a16:creationId xmlns:a16="http://schemas.microsoft.com/office/drawing/2014/main" id="{83A4F57B-310C-A8CD-2CC2-A476D28BA605}"/>
+              </a:ext>
+            </a:extLst>
+          </p:cNvPr>
           <p:cNvSpPr>
             <a:spLocks noGrp="1"/>
           </p:cNvSpPr>
@@ -11519,22 +11724,47 @@
         </p:nvSpPr>
         <p:spPr/>
         <p:txBody>
-          <a:bodyPr>
-            <a:normAutofit/>
-          </a:bodyPr>
-          <a:lstStyle/>
-          <a:p>
-            <a:pPr algn="ctr"/>
-            <a:r>
-              <a:rPr lang="en-US" sz="3200" noProof="0" dirty="0"/>
-              <a:t>RM ANOVA: SPSS</a:t>
-            </a:r>
-          </a:p>
-        </p:txBody>
-      </p:sp>
-      <p:sp>
-        <p:nvSpPr>
-          <p:cNvPr id="4" name="Footer Placeholder 3"/>
+          <a:bodyPr/>
+          <a:lstStyle/>
+          <a:p>
+            <a:endParaRPr lang="nl-NL"/>
+          </a:p>
+        </p:txBody>
+      </p:sp>
+      <p:sp>
+        <p:nvSpPr>
+          <p:cNvPr id="3" name="Content Placeholder 2">
+            <a:extLst>
+              <a:ext uri="{FF2B5EF4-FFF2-40B4-BE49-F238E27FC236}">
+                <a16:creationId xmlns:a16="http://schemas.microsoft.com/office/drawing/2014/main" id="{6169F5D3-43D6-72EB-5C8B-6F9C660E747F}"/>
+              </a:ext>
+            </a:extLst>
+          </p:cNvPr>
+          <p:cNvSpPr>
+            <a:spLocks noGrp="1"/>
+          </p:cNvSpPr>
+          <p:nvPr>
+            <p:ph idx="1"/>
+          </p:nvPr>
+        </p:nvSpPr>
+        <p:spPr/>
+        <p:txBody>
+          <a:bodyPr/>
+          <a:lstStyle/>
+          <a:p>
+            <a:endParaRPr lang="nl-NL"/>
+          </a:p>
+        </p:txBody>
+      </p:sp>
+      <p:sp>
+        <p:nvSpPr>
+          <p:cNvPr id="4" name="Footer Placeholder 3">
+            <a:extLst>
+              <a:ext uri="{FF2B5EF4-FFF2-40B4-BE49-F238E27FC236}">
+                <a16:creationId xmlns:a16="http://schemas.microsoft.com/office/drawing/2014/main" id="{38BA0572-A8B7-E8A1-4470-EEF72232701B}"/>
+              </a:ext>
+            </a:extLst>
+          </p:cNvPr>
           <p:cNvSpPr>
             <a:spLocks noGrp="1"/>
           </p:cNvSpPr>
@@ -11548,16 +11778,22 @@
           <a:lstStyle/>
           <a:p>
             <a:r>
-              <a:rPr lang="en-US" dirty="0"/>
+              <a:rPr lang="en-US"/>
               <a:t>Lecture 10, ERM, MTO</a:t>
             </a:r>
-            <a:endParaRPr lang="nl-NL" dirty="0"/>
-          </a:p>
-        </p:txBody>
-      </p:sp>
-      <p:sp>
-        <p:nvSpPr>
-          <p:cNvPr id="5" name="Slide Number Placeholder 4"/>
+            <a:endParaRPr lang="en-US" dirty="0"/>
+          </a:p>
+        </p:txBody>
+      </p:sp>
+      <p:sp>
+        <p:nvSpPr>
+          <p:cNvPr id="5" name="Slide Number Placeholder 4">
+            <a:extLst>
+              <a:ext uri="{FF2B5EF4-FFF2-40B4-BE49-F238E27FC236}">
+                <a16:creationId xmlns:a16="http://schemas.microsoft.com/office/drawing/2014/main" id="{8819B83F-7987-CA39-76C4-983990F4C0DD}"/>
+              </a:ext>
+            </a:extLst>
+          </p:cNvPr>
           <p:cNvSpPr>
             <a:spLocks noGrp="1"/>
           </p:cNvSpPr>
@@ -11578,193 +11814,100 @@
           </a:p>
         </p:txBody>
       </p:sp>
-      <p:sp>
-        <p:nvSpPr>
-          <p:cNvPr id="3" name="Content Placeholder 2"/>
-          <p:cNvSpPr>
-            <a:spLocks noGrp="1"/>
-          </p:cNvSpPr>
-          <p:nvPr>
-            <p:ph idx="1"/>
-          </p:nvPr>
-        </p:nvSpPr>
-        <p:spPr/>
-        <p:txBody>
-          <a:bodyPr>
-            <a:normAutofit/>
-          </a:bodyPr>
-          <a:lstStyle/>
-          <a:p>
-            <a:r>
-              <a:rPr lang="en-US" sz="1900" noProof="0" dirty="0">
-                <a:sym typeface="Wingdings" panose="05000000000000000000" pitchFamily="2" charset="2"/>
-              </a:rPr>
-              <a:t>We have chosen “polynomial” (= trend analysis) for contrasts</a:t>
-            </a:r>
-          </a:p>
-          <a:p>
-            <a:endParaRPr lang="en-US" sz="1900" noProof="0" dirty="0">
-              <a:sym typeface="Wingdings" panose="05000000000000000000" pitchFamily="2" charset="2"/>
-            </a:endParaRPr>
-          </a:p>
-          <a:p>
-            <a:r>
-              <a:rPr lang="en-US" sz="1900" noProof="0" dirty="0">
-                <a:sym typeface="Wingdings" panose="05000000000000000000" pitchFamily="2" charset="2"/>
-              </a:rPr>
-              <a:t>If the factor is not time, but “condition” then you </a:t>
-            </a:r>
-            <a:r>
-              <a:rPr lang="en-US" sz="1900" u="sng" noProof="0" dirty="0">
-                <a:sym typeface="Wingdings" panose="05000000000000000000" pitchFamily="2" charset="2"/>
-              </a:rPr>
-              <a:t>have to</a:t>
-            </a:r>
-            <a:r>
-              <a:rPr lang="en-US" sz="1900" noProof="0" dirty="0">
-                <a:sym typeface="Wingdings" panose="05000000000000000000" pitchFamily="2" charset="2"/>
-              </a:rPr>
-              <a:t> select another contrast</a:t>
-            </a:r>
-          </a:p>
-          <a:p>
-            <a:endParaRPr lang="en-US" sz="1900" noProof="0" dirty="0">
-              <a:sym typeface="Wingdings" panose="05000000000000000000" pitchFamily="2" charset="2"/>
-            </a:endParaRPr>
-          </a:p>
-          <a:p>
-            <a:r>
-              <a:rPr lang="en-US" sz="1900" noProof="0" dirty="0">
-                <a:sym typeface="Wingdings" panose="05000000000000000000" pitchFamily="2" charset="2"/>
-              </a:rPr>
-              <a:t>Options are: </a:t>
-            </a:r>
-          </a:p>
-          <a:p>
-            <a:pPr lvl="1"/>
-            <a:r>
-              <a:rPr lang="en-US" sz="1500" i="1" noProof="0" dirty="0">
-                <a:sym typeface="Wingdings" panose="05000000000000000000" pitchFamily="2" charset="2"/>
-              </a:rPr>
-              <a:t>Simple </a:t>
-            </a:r>
-            <a:r>
-              <a:rPr lang="en-US" sz="1500" noProof="0" dirty="0">
-                <a:sym typeface="Wingdings" panose="05000000000000000000" pitchFamily="2" charset="2"/>
-              </a:rPr>
-              <a:t> use a user-defined reference category</a:t>
-            </a:r>
-            <a:endParaRPr lang="en-US" sz="1500" i="1" noProof="0" dirty="0">
-              <a:sym typeface="Wingdings" panose="05000000000000000000" pitchFamily="2" charset="2"/>
-            </a:endParaRPr>
-          </a:p>
-          <a:p>
-            <a:pPr lvl="1"/>
-            <a:r>
-              <a:rPr lang="en-US" sz="1500" i="1" noProof="0" dirty="0">
-                <a:sym typeface="Wingdings" panose="05000000000000000000" pitchFamily="2" charset="2"/>
-              </a:rPr>
-              <a:t>Difference</a:t>
-            </a:r>
-            <a:r>
-              <a:rPr lang="en-US" sz="1500" noProof="0" dirty="0">
-                <a:sym typeface="Wingdings" panose="05000000000000000000" pitchFamily="2" charset="2"/>
-              </a:rPr>
-              <a:t>  compare each category with all </a:t>
-            </a:r>
-            <a:r>
-              <a:rPr lang="en-US" sz="1500" noProof="0">
-                <a:sym typeface="Wingdings" panose="05000000000000000000" pitchFamily="2" charset="2"/>
-              </a:rPr>
-              <a:t>previous categories</a:t>
-            </a:r>
-            <a:endParaRPr lang="en-US" sz="1500" noProof="0" dirty="0">
-              <a:sym typeface="Wingdings" panose="05000000000000000000" pitchFamily="2" charset="2"/>
-            </a:endParaRPr>
-          </a:p>
-          <a:p>
-            <a:pPr lvl="1"/>
-            <a:r>
-              <a:rPr lang="en-US" sz="1500" i="1" noProof="0" dirty="0">
-                <a:sym typeface="Wingdings" panose="05000000000000000000" pitchFamily="2" charset="2"/>
-              </a:rPr>
-              <a:t>Repeated </a:t>
-            </a:r>
-            <a:r>
-              <a:rPr lang="en-US" sz="1500" noProof="0" dirty="0">
-                <a:sym typeface="Wingdings" panose="05000000000000000000" pitchFamily="2" charset="2"/>
-              </a:rPr>
-              <a:t> compare each category with next category</a:t>
-            </a:r>
-          </a:p>
-          <a:p>
-            <a:pPr lvl="1"/>
-            <a:r>
-              <a:rPr lang="en-US" sz="1500" i="1" noProof="0" dirty="0">
-                <a:sym typeface="Wingdings" panose="05000000000000000000" pitchFamily="2" charset="2"/>
-              </a:rPr>
-              <a:t>Helmert</a:t>
-            </a:r>
-            <a:r>
-              <a:rPr lang="en-US" sz="1500" noProof="0" dirty="0">
-                <a:sym typeface="Wingdings" panose="05000000000000000000" pitchFamily="2" charset="2"/>
-              </a:rPr>
-              <a:t>  Helmert contrasts</a:t>
-            </a:r>
-          </a:p>
-          <a:p>
-            <a:endParaRPr lang="en-US" sz="1900" noProof="0" dirty="0">
-              <a:sym typeface="Wingdings" panose="05000000000000000000" pitchFamily="2" charset="2"/>
-            </a:endParaRPr>
-          </a:p>
-          <a:p>
-            <a:r>
-              <a:rPr lang="en-US" sz="1900" noProof="0" dirty="0">
-                <a:sym typeface="Wingdings" panose="05000000000000000000" pitchFamily="2" charset="2"/>
-              </a:rPr>
-              <a:t>Now an example with </a:t>
-            </a:r>
-            <a:r>
-              <a:rPr lang="en-US" sz="1900" i="1" noProof="0" dirty="0">
-                <a:sym typeface="Wingdings" panose="05000000000000000000" pitchFamily="2" charset="2"/>
-              </a:rPr>
-              <a:t>simple </a:t>
-            </a:r>
-            <a:r>
-              <a:rPr lang="en-US" sz="1900" noProof="0" dirty="0">
-                <a:sym typeface="Wingdings" panose="05000000000000000000" pitchFamily="2" charset="2"/>
-              </a:rPr>
-              <a:t> </a:t>
-            </a:r>
-            <a:r>
-              <a:rPr lang="en-US" sz="1900" noProof="0" dirty="0">
-                <a:solidFill>
-                  <a:srgbClr val="FF0000"/>
-                </a:solidFill>
-                <a:sym typeface="Wingdings" panose="05000000000000000000" pitchFamily="2" charset="2"/>
-              </a:rPr>
-              <a:t>/WSFACTOR=time 3 Simple</a:t>
-            </a:r>
-            <a:endParaRPr lang="en-US" sz="1900" b="1" noProof="0" dirty="0"/>
-          </a:p>
-          <a:p>
-            <a:pPr marL="0" indent="0">
-              <a:buNone/>
-            </a:pPr>
-            <a:endParaRPr lang="en-US" sz="1900" b="1" noProof="0" dirty="0"/>
-          </a:p>
-          <a:p>
-            <a:endParaRPr lang="en-US" sz="1900" b="1" noProof="0" dirty="0"/>
-          </a:p>
-          <a:p>
-            <a:endParaRPr lang="en-US" sz="1900" noProof="0" dirty="0"/>
-          </a:p>
-        </p:txBody>
-      </p:sp>
+      <p:pic>
+        <p:nvPicPr>
+          <p:cNvPr id="7" name="Picture 6">
+            <a:extLst>
+              <a:ext uri="{FF2B5EF4-FFF2-40B4-BE49-F238E27FC236}">
+                <a16:creationId xmlns:a16="http://schemas.microsoft.com/office/drawing/2014/main" id="{AD6FECDC-0443-7BF3-B0BF-DA0B080B9B14}"/>
+              </a:ext>
+            </a:extLst>
+          </p:cNvPr>
+          <p:cNvPicPr>
+            <a:picLocks noChangeAspect="1"/>
+          </p:cNvPicPr>
+          <p:nvPr/>
+        </p:nvPicPr>
+        <p:blipFill>
+          <a:blip r:embed="rId3"/>
+          <a:stretch>
+            <a:fillRect/>
+          </a:stretch>
+        </p:blipFill>
+        <p:spPr>
+          <a:xfrm>
+            <a:off x="0" y="-1"/>
+            <a:ext cx="3230880" cy="5338265"/>
+          </a:xfrm>
+          <a:prstGeom prst="rect">
+            <a:avLst/>
+          </a:prstGeom>
+        </p:spPr>
+      </p:pic>
+      <p:pic>
+        <p:nvPicPr>
+          <p:cNvPr id="9" name="Picture 8">
+            <a:extLst>
+              <a:ext uri="{FF2B5EF4-FFF2-40B4-BE49-F238E27FC236}">
+                <a16:creationId xmlns:a16="http://schemas.microsoft.com/office/drawing/2014/main" id="{9933B7BE-33BA-CB8C-45F0-A49C6313871D}"/>
+              </a:ext>
+            </a:extLst>
+          </p:cNvPr>
+          <p:cNvPicPr>
+            <a:picLocks noChangeAspect="1"/>
+          </p:cNvPicPr>
+          <p:nvPr/>
+        </p:nvPicPr>
+        <p:blipFill>
+          <a:blip r:embed="rId4"/>
+          <a:stretch>
+            <a:fillRect/>
+          </a:stretch>
+        </p:blipFill>
+        <p:spPr>
+          <a:xfrm>
+            <a:off x="1363662" y="1106170"/>
+            <a:ext cx="4486275" cy="3924300"/>
+          </a:xfrm>
+          <a:prstGeom prst="rect">
+            <a:avLst/>
+          </a:prstGeom>
+        </p:spPr>
+      </p:pic>
+      <p:pic>
+        <p:nvPicPr>
+          <p:cNvPr id="11" name="Picture 10">
+            <a:extLst>
+              <a:ext uri="{FF2B5EF4-FFF2-40B4-BE49-F238E27FC236}">
+                <a16:creationId xmlns:a16="http://schemas.microsoft.com/office/drawing/2014/main" id="{5A143613-1DD5-447E-C104-14FBEDF7777E}"/>
+              </a:ext>
+            </a:extLst>
+          </p:cNvPr>
+          <p:cNvPicPr>
+            <a:picLocks noChangeAspect="1"/>
+          </p:cNvPicPr>
+          <p:nvPr/>
+        </p:nvPicPr>
+        <p:blipFill>
+          <a:blip r:embed="rId5"/>
+          <a:stretch>
+            <a:fillRect/>
+          </a:stretch>
+        </p:blipFill>
+        <p:spPr>
+          <a:xfrm>
+            <a:off x="4352925" y="2971800"/>
+            <a:ext cx="7839075" cy="3886200"/>
+          </a:xfrm>
+          <a:prstGeom prst="rect">
+            <a:avLst/>
+          </a:prstGeom>
+        </p:spPr>
+      </p:pic>
     </p:spTree>
     <p:extLst>
       <p:ext uri="{BB962C8B-B14F-4D97-AF65-F5344CB8AC3E}">
-        <p14:creationId xmlns:p14="http://schemas.microsoft.com/office/powerpoint/2010/main" val="775573496"/>
+        <p14:creationId xmlns:p14="http://schemas.microsoft.com/office/powerpoint/2010/main" val="946787439"/>
       </p:ext>
     </p:extLst>
   </p:cSld>
@@ -11862,130 +12005,193 @@
           </a:p>
         </p:txBody>
       </p:sp>
-      <p:pic>
-        <p:nvPicPr>
-          <p:cNvPr id="7" name="Picture 6"/>
-          <p:cNvPicPr>
-            <a:picLocks noChangeAspect="1"/>
-          </p:cNvPicPr>
-          <p:nvPr/>
-        </p:nvPicPr>
-        <p:blipFill>
-          <a:blip r:embed="rId3"/>
-          <a:stretch>
-            <a:fillRect/>
-          </a:stretch>
-        </p:blipFill>
-        <p:spPr>
-          <a:xfrm>
-            <a:off x="1899322" y="1646238"/>
-            <a:ext cx="8393356" cy="2237422"/>
-          </a:xfrm>
-          <a:prstGeom prst="rect">
-            <a:avLst/>
-          </a:prstGeom>
-        </p:spPr>
-      </p:pic>
-      <p:sp>
-        <p:nvSpPr>
-          <p:cNvPr id="8" name="TextBox 7"/>
-          <p:cNvSpPr txBox="1"/>
-          <p:nvPr/>
-        </p:nvSpPr>
-        <p:spPr>
-          <a:xfrm>
-            <a:off x="939800" y="4325025"/>
-            <a:ext cx="10312400" cy="1846659"/>
-          </a:xfrm>
-          <a:prstGeom prst="rect">
-            <a:avLst/>
-          </a:prstGeom>
-          <a:noFill/>
-        </p:spPr>
-        <p:txBody>
-          <a:bodyPr wrap="square" rtlCol="0">
-            <a:spAutoFit/>
+      <p:sp>
+        <p:nvSpPr>
+          <p:cNvPr id="3" name="Content Placeholder 2"/>
+          <p:cNvSpPr>
+            <a:spLocks noGrp="1"/>
+          </p:cNvSpPr>
+          <p:nvPr>
+            <p:ph idx="1"/>
+          </p:nvPr>
+        </p:nvSpPr>
+        <p:spPr/>
+        <p:txBody>
+          <a:bodyPr>
+            <a:normAutofit/>
           </a:bodyPr>
           <a:lstStyle/>
           <a:p>
             <a:r>
-              <a:rPr lang="en-US" sz="1900" u="sng" dirty="0"/>
-              <a:t>Conclusion:</a:t>
-            </a:r>
-            <a:endParaRPr lang="en-US" sz="1900" dirty="0"/>
-          </a:p>
-          <a:p>
-            <a:pPr marL="342900" lvl="0" indent="-342900">
-              <a:buFont typeface="Arial" panose="020B0604020202020204" pitchFamily="34" charset="0"/>
-              <a:buChar char="•"/>
-            </a:pPr>
-            <a:r>
-              <a:rPr lang="en-US" sz="1900" dirty="0"/>
-              <a:t>Mean of Y1 differs from Y3 (</a:t>
-            </a:r>
-            <a:r>
-              <a:rPr lang="en-US" sz="1900" i="1" dirty="0"/>
-              <a:t>p</a:t>
-            </a:r>
-            <a:r>
-              <a:rPr lang="en-US" sz="1900" dirty="0"/>
-              <a:t> &lt; 0.001), mean of Y2 does not differ from Y3 (</a:t>
-            </a:r>
-            <a:r>
-              <a:rPr lang="en-US" sz="1900" i="1" dirty="0"/>
-              <a:t>p</a:t>
-            </a:r>
-            <a:r>
-              <a:rPr lang="en-US" sz="1900" dirty="0"/>
-              <a:t> = 0.163)</a:t>
-            </a:r>
-            <a:endParaRPr lang="en-US" sz="1900" b="1" dirty="0"/>
-          </a:p>
-          <a:p>
-            <a:pPr lvl="0"/>
-            <a:endParaRPr lang="en-US" sz="1900" dirty="0"/>
-          </a:p>
-          <a:p>
-            <a:pPr marL="342900" lvl="0" indent="-342900">
-              <a:buFont typeface="Arial" panose="020B0604020202020204" pitchFamily="34" charset="0"/>
-              <a:buChar char="•"/>
-            </a:pPr>
-            <a:r>
-              <a:rPr lang="en-US" sz="1900" dirty="0"/>
-              <a:t>Here α/2 = 0.025 is also defendable</a:t>
-            </a:r>
-            <a:endParaRPr lang="en-US" sz="1900" b="1" dirty="0"/>
-          </a:p>
-          <a:p>
-            <a:pPr lvl="0"/>
-            <a:endParaRPr lang="en-US" sz="1900" dirty="0"/>
-          </a:p>
-          <a:p>
-            <a:pPr marL="342900" lvl="0" indent="-342900">
-              <a:buFont typeface="Arial" panose="020B0604020202020204" pitchFamily="34" charset="0"/>
-              <a:buChar char="•"/>
-            </a:pPr>
-            <a:r>
-              <a:rPr lang="en-US" sz="1900" dirty="0"/>
-              <a:t>No test done of Y1 versus Y2 </a:t>
-            </a:r>
-            <a:r>
-              <a:rPr lang="en-US" sz="1900" dirty="0">
+              <a:rPr lang="en-US" sz="1900" noProof="0" dirty="0">
                 <a:sym typeface="Wingdings" panose="05000000000000000000" pitchFamily="2" charset="2"/>
               </a:rPr>
-              <a:t></a:t>
-            </a:r>
-            <a:r>
-              <a:rPr lang="en-US" sz="1900" dirty="0"/>
-              <a:t> do the analysis again with a different option</a:t>
-            </a:r>
+              <a:t>We have chosen “polynomial” (= trend analysis) for contrasts</a:t>
+            </a:r>
+          </a:p>
+          <a:p>
+            <a:endParaRPr lang="en-US" sz="1900" noProof="0" dirty="0">
+              <a:sym typeface="Wingdings" panose="05000000000000000000" pitchFamily="2" charset="2"/>
+            </a:endParaRPr>
+          </a:p>
+          <a:p>
+            <a:r>
+              <a:rPr lang="en-US" sz="1900" noProof="0" dirty="0">
+                <a:sym typeface="Wingdings" panose="05000000000000000000" pitchFamily="2" charset="2"/>
+              </a:rPr>
+              <a:t>If the factor is not time, but “condition” then you </a:t>
+            </a:r>
+            <a:r>
+              <a:rPr lang="en-US" sz="1900" u="sng" noProof="0" dirty="0">
+                <a:sym typeface="Wingdings" panose="05000000000000000000" pitchFamily="2" charset="2"/>
+              </a:rPr>
+              <a:t>have to</a:t>
+            </a:r>
+            <a:r>
+              <a:rPr lang="en-US" sz="1900" noProof="0" dirty="0">
+                <a:sym typeface="Wingdings" panose="05000000000000000000" pitchFamily="2" charset="2"/>
+              </a:rPr>
+              <a:t> select another contrast</a:t>
+            </a:r>
+          </a:p>
+          <a:p>
+            <a:endParaRPr lang="en-US" sz="1900" noProof="0" dirty="0">
+              <a:sym typeface="Wingdings" panose="05000000000000000000" pitchFamily="2" charset="2"/>
+            </a:endParaRPr>
+          </a:p>
+          <a:p>
+            <a:r>
+              <a:rPr lang="en-US" sz="1900" noProof="0" dirty="0">
+                <a:sym typeface="Wingdings" panose="05000000000000000000" pitchFamily="2" charset="2"/>
+              </a:rPr>
+              <a:t>Options are: </a:t>
+            </a:r>
+          </a:p>
+          <a:p>
+            <a:pPr lvl="1"/>
+            <a:r>
+              <a:rPr lang="en-US" sz="1500" i="1" noProof="0" dirty="0">
+                <a:sym typeface="Wingdings" panose="05000000000000000000" pitchFamily="2" charset="2"/>
+              </a:rPr>
+              <a:t>Simple </a:t>
+            </a:r>
+            <a:r>
+              <a:rPr lang="en-US" sz="1500" noProof="0" dirty="0">
+                <a:sym typeface="Wingdings" panose="05000000000000000000" pitchFamily="2" charset="2"/>
+              </a:rPr>
+              <a:t> use a user-defined reference category</a:t>
+            </a:r>
+            <a:endParaRPr lang="en-US" sz="1500" i="1" noProof="0" dirty="0">
+              <a:sym typeface="Wingdings" panose="05000000000000000000" pitchFamily="2" charset="2"/>
+            </a:endParaRPr>
+          </a:p>
+          <a:p>
+            <a:pPr lvl="1"/>
+            <a:r>
+              <a:rPr lang="en-US" sz="1500" i="1" noProof="0" dirty="0">
+                <a:sym typeface="Wingdings" panose="05000000000000000000" pitchFamily="2" charset="2"/>
+              </a:rPr>
+              <a:t>Difference</a:t>
+            </a:r>
+            <a:r>
+              <a:rPr lang="en-US" sz="1500" noProof="0" dirty="0">
+                <a:sym typeface="Wingdings" panose="05000000000000000000" pitchFamily="2" charset="2"/>
+              </a:rPr>
+              <a:t>  compare each category with all </a:t>
+            </a:r>
+            <a:r>
+              <a:rPr lang="en-US" sz="1500" noProof="0">
+                <a:sym typeface="Wingdings" panose="05000000000000000000" pitchFamily="2" charset="2"/>
+              </a:rPr>
+              <a:t>previous categories</a:t>
+            </a:r>
+            <a:endParaRPr lang="en-US" sz="1500" noProof="0" dirty="0">
+              <a:sym typeface="Wingdings" panose="05000000000000000000" pitchFamily="2" charset="2"/>
+            </a:endParaRPr>
+          </a:p>
+          <a:p>
+            <a:pPr lvl="1"/>
+            <a:r>
+              <a:rPr lang="en-US" sz="1500" i="1" noProof="0" dirty="0">
+                <a:sym typeface="Wingdings" panose="05000000000000000000" pitchFamily="2" charset="2"/>
+              </a:rPr>
+              <a:t>Repeated </a:t>
+            </a:r>
+            <a:r>
+              <a:rPr lang="en-US" sz="1500" noProof="0" dirty="0">
+                <a:sym typeface="Wingdings" panose="05000000000000000000" pitchFamily="2" charset="2"/>
+              </a:rPr>
+              <a:t> compare each category with next category</a:t>
+            </a:r>
+          </a:p>
+          <a:p>
+            <a:pPr lvl="1"/>
+            <a:r>
+              <a:rPr lang="en-US" sz="1500" i="1" noProof="0" dirty="0">
+                <a:sym typeface="Wingdings" panose="05000000000000000000" pitchFamily="2" charset="2"/>
+              </a:rPr>
+              <a:t>Helmert</a:t>
+            </a:r>
+            <a:r>
+              <a:rPr lang="en-US" sz="1500" noProof="0" dirty="0">
+                <a:sym typeface="Wingdings" panose="05000000000000000000" pitchFamily="2" charset="2"/>
+              </a:rPr>
+              <a:t>  Helmert contrasts</a:t>
+            </a:r>
+          </a:p>
+          <a:p>
+            <a:endParaRPr lang="en-US" sz="1900" noProof="0" dirty="0">
+              <a:sym typeface="Wingdings" panose="05000000000000000000" pitchFamily="2" charset="2"/>
+            </a:endParaRPr>
+          </a:p>
+          <a:p>
+            <a:r>
+              <a:rPr lang="en-US" sz="1900" noProof="0" dirty="0">
+                <a:sym typeface="Wingdings" panose="05000000000000000000" pitchFamily="2" charset="2"/>
+              </a:rPr>
+              <a:t>Now an example with </a:t>
+            </a:r>
+            <a:r>
+              <a:rPr lang="en-US" sz="1900" i="1" noProof="0" dirty="0">
+                <a:sym typeface="Wingdings" panose="05000000000000000000" pitchFamily="2" charset="2"/>
+              </a:rPr>
+              <a:t>simple </a:t>
+            </a:r>
+            <a:r>
+              <a:rPr lang="en-US" sz="1900" noProof="0" dirty="0">
+                <a:sym typeface="Wingdings" panose="05000000000000000000" pitchFamily="2" charset="2"/>
+              </a:rPr>
+              <a:t> </a:t>
+            </a:r>
+            <a:r>
+              <a:rPr lang="en-US" sz="1900" noProof="0" dirty="0">
+                <a:solidFill>
+                  <a:srgbClr val="FF0000"/>
+                </a:solidFill>
+                <a:sym typeface="Wingdings" panose="05000000000000000000" pitchFamily="2" charset="2"/>
+              </a:rPr>
+              <a:t>/WSFACTOR=time 3 Simple</a:t>
+            </a:r>
+            <a:endParaRPr lang="en-US" sz="1900" b="1" noProof="0" dirty="0"/>
+          </a:p>
+          <a:p>
+            <a:pPr marL="0" indent="0">
+              <a:buNone/>
+            </a:pPr>
+            <a:endParaRPr lang="en-US" sz="1900" b="1" noProof="0" dirty="0"/>
+          </a:p>
+          <a:p>
+            <a:endParaRPr lang="en-US" sz="1900" b="1" noProof="0" dirty="0"/>
+          </a:p>
+          <a:p>
+            <a:endParaRPr lang="en-US" sz="1900" noProof="0" dirty="0"/>
           </a:p>
         </p:txBody>
       </p:sp>
     </p:spTree>
     <p:extLst>
       <p:ext uri="{BB962C8B-B14F-4D97-AF65-F5344CB8AC3E}">
-        <p14:creationId xmlns:p14="http://schemas.microsoft.com/office/powerpoint/2010/main" val="1180597808"/>
+        <p14:creationId xmlns:p14="http://schemas.microsoft.com/office/powerpoint/2010/main" val="775573496"/>
       </p:ext>
     </p:extLst>
   </p:cSld>
@@ -12032,166 +12238,7 @@
             <a:pPr algn="ctr"/>
             <a:r>
               <a:rPr lang="en-US" sz="3200" noProof="0" dirty="0"/>
-              <a:t>Repeated measures ANOVA: Example II</a:t>
-            </a:r>
-          </a:p>
-        </p:txBody>
-      </p:sp>
-      <p:sp>
-        <p:nvSpPr>
-          <p:cNvPr id="3" name="Content Placeholder 2"/>
-          <p:cNvSpPr>
-            <a:spLocks noGrp="1"/>
-          </p:cNvSpPr>
-          <p:nvPr>
-            <p:ph idx="1"/>
-          </p:nvPr>
-        </p:nvSpPr>
-        <p:spPr>
-          <a:xfrm>
-            <a:off x="838200" y="1480184"/>
-            <a:ext cx="10515600" cy="4876165"/>
-          </a:xfrm>
-        </p:spPr>
-        <p:txBody>
-          <a:bodyPr>
-            <a:normAutofit lnSpcReduction="10000"/>
-          </a:bodyPr>
-          <a:lstStyle/>
-          <a:p>
-            <a:r>
-              <a:rPr lang="en-US" sz="1900" noProof="0" dirty="0"/>
-              <a:t>Another example of RM ANOVA now also with a between-subjects factor</a:t>
-            </a:r>
-          </a:p>
-          <a:p>
-            <a:pPr marL="0" indent="0">
-              <a:buNone/>
-            </a:pPr>
-            <a:endParaRPr lang="en-US" sz="1900" u="sng" noProof="0" dirty="0"/>
-          </a:p>
-          <a:p>
-            <a:pPr marL="0" indent="0">
-              <a:buNone/>
-            </a:pPr>
-            <a:r>
-              <a:rPr lang="en-US" sz="1900" u="sng" noProof="0" dirty="0"/>
-              <a:t>Dependent variable:</a:t>
-            </a:r>
-            <a:r>
-              <a:rPr lang="en-US" sz="1900" noProof="0" dirty="0"/>
-              <a:t> Satisfaction with material position 5 years ago, now, and expected in 5 years</a:t>
-            </a:r>
-          </a:p>
-          <a:p>
-            <a:pPr marL="0" indent="0">
-              <a:buNone/>
-            </a:pPr>
-            <a:endParaRPr lang="en-US" sz="1900" u="sng" noProof="0" dirty="0"/>
-          </a:p>
-          <a:p>
-            <a:pPr marL="0" indent="0">
-              <a:buNone/>
-            </a:pPr>
-            <a:r>
-              <a:rPr lang="en-US" sz="1900" u="sng" noProof="0" dirty="0"/>
-              <a:t>Independent variable:</a:t>
-            </a:r>
-            <a:r>
-              <a:rPr lang="en-US" sz="1900" noProof="0" dirty="0"/>
-              <a:t> </a:t>
-            </a:r>
-          </a:p>
-          <a:p>
-            <a:r>
-              <a:rPr lang="en-US" sz="1900" noProof="0" dirty="0"/>
-              <a:t>Within-subjects factor Time (3 levels)</a:t>
-            </a:r>
-          </a:p>
-          <a:p>
-            <a:r>
-              <a:rPr lang="en-US" sz="1900" noProof="0" dirty="0"/>
-              <a:t>Between-subjects factor Education (4 levels)</a:t>
-            </a:r>
-          </a:p>
-          <a:p>
-            <a:endParaRPr lang="en-US" sz="1900" noProof="0" dirty="0"/>
-          </a:p>
-          <a:p>
-            <a:pPr marL="0" indent="0">
-              <a:buNone/>
-            </a:pPr>
-            <a:r>
-              <a:rPr lang="en-US" sz="1900" u="sng" noProof="0" dirty="0"/>
-              <a:t>Hypotheses:</a:t>
-            </a:r>
-          </a:p>
-          <a:p>
-            <a:pPr marL="457200" indent="-457200">
-              <a:buFont typeface="+mj-lt"/>
-              <a:buAutoNum type="arabicPeriod"/>
-            </a:pPr>
-            <a:r>
-              <a:rPr lang="en-US" sz="1900" noProof="0" dirty="0"/>
-              <a:t>Time has an effect on satisfaction with material position</a:t>
-            </a:r>
-          </a:p>
-          <a:p>
-            <a:pPr marL="457200" indent="-457200">
-              <a:buFont typeface="+mj-lt"/>
-              <a:buAutoNum type="arabicPeriod"/>
-            </a:pPr>
-            <a:r>
-              <a:rPr lang="en-US" sz="1900" noProof="0" dirty="0"/>
-              <a:t>Education has an </a:t>
-            </a:r>
-            <a:r>
-              <a:rPr lang="en-US" sz="1900" noProof="0"/>
-              <a:t>effect on satisfaction </a:t>
-            </a:r>
-            <a:r>
-              <a:rPr lang="en-US" sz="1900" noProof="0" dirty="0"/>
-              <a:t>with material position</a:t>
-            </a:r>
-          </a:p>
-          <a:p>
-            <a:pPr marL="457200" indent="-457200">
-              <a:buFont typeface="+mj-lt"/>
-              <a:buAutoNum type="arabicPeriod"/>
-            </a:pPr>
-            <a:r>
-              <a:rPr lang="en-US" sz="1900" noProof="0" dirty="0"/>
-              <a:t>A </a:t>
-            </a:r>
-            <a:r>
-              <a:rPr lang="en-US" sz="1900" i="1" u="sng" noProof="0" dirty="0"/>
-              <a:t>positive</a:t>
-            </a:r>
-            <a:r>
-              <a:rPr lang="en-US" sz="1900" i="1" noProof="0" dirty="0"/>
-              <a:t> linear effect</a:t>
-            </a:r>
-            <a:r>
-              <a:rPr lang="en-US" sz="1900" noProof="0" dirty="0"/>
-              <a:t> is expected between time and satisfaction with material position</a:t>
-            </a:r>
-          </a:p>
-          <a:p>
-            <a:pPr marL="457200" indent="-457200">
-              <a:buFont typeface="+mj-lt"/>
-              <a:buAutoNum type="arabicPeriod"/>
-            </a:pPr>
-            <a:r>
-              <a:rPr lang="en-US" sz="1900" noProof="0" dirty="0"/>
-              <a:t>A </a:t>
-            </a:r>
-            <a:r>
-              <a:rPr lang="en-US" sz="1900" i="1" noProof="0" dirty="0"/>
-              <a:t>quadratic effect</a:t>
-            </a:r>
-            <a:r>
-              <a:rPr lang="en-US" sz="1900" noProof="0" dirty="0"/>
-              <a:t> is expected between time and satisfaction with material position</a:t>
+              <a:t>RM ANOVA: SPSS</a:t>
             </a:r>
           </a:p>
         </p:txBody>
@@ -12242,10 +12289,130 @@
           </a:p>
         </p:txBody>
       </p:sp>
+      <p:pic>
+        <p:nvPicPr>
+          <p:cNvPr id="7" name="Picture 6"/>
+          <p:cNvPicPr>
+            <a:picLocks noChangeAspect="1"/>
+          </p:cNvPicPr>
+          <p:nvPr/>
+        </p:nvPicPr>
+        <p:blipFill>
+          <a:blip r:embed="rId3"/>
+          <a:stretch>
+            <a:fillRect/>
+          </a:stretch>
+        </p:blipFill>
+        <p:spPr>
+          <a:xfrm>
+            <a:off x="1899322" y="1646238"/>
+            <a:ext cx="8393356" cy="2237422"/>
+          </a:xfrm>
+          <a:prstGeom prst="rect">
+            <a:avLst/>
+          </a:prstGeom>
+        </p:spPr>
+      </p:pic>
+      <p:sp>
+        <p:nvSpPr>
+          <p:cNvPr id="8" name="TextBox 7"/>
+          <p:cNvSpPr txBox="1"/>
+          <p:nvPr/>
+        </p:nvSpPr>
+        <p:spPr>
+          <a:xfrm>
+            <a:off x="939800" y="4325025"/>
+            <a:ext cx="10312400" cy="1846659"/>
+          </a:xfrm>
+          <a:prstGeom prst="rect">
+            <a:avLst/>
+          </a:prstGeom>
+          <a:noFill/>
+        </p:spPr>
+        <p:txBody>
+          <a:bodyPr wrap="square" rtlCol="0">
+            <a:spAutoFit/>
+          </a:bodyPr>
+          <a:lstStyle/>
+          <a:p>
+            <a:r>
+              <a:rPr lang="en-US" sz="1900" u="sng" dirty="0"/>
+              <a:t>Conclusion:</a:t>
+            </a:r>
+            <a:endParaRPr lang="en-US" sz="1900" dirty="0"/>
+          </a:p>
+          <a:p>
+            <a:pPr marL="342900" lvl="0" indent="-342900">
+              <a:buFont typeface="Arial" panose="020B0604020202020204" pitchFamily="34" charset="0"/>
+              <a:buChar char="•"/>
+            </a:pPr>
+            <a:r>
+              <a:rPr lang="en-US" sz="1900" dirty="0"/>
+              <a:t>Mean of Y1 differs from Y3 (</a:t>
+            </a:r>
+            <a:r>
+              <a:rPr lang="en-US" sz="1900" i="1" dirty="0"/>
+              <a:t>p</a:t>
+            </a:r>
+            <a:r>
+              <a:rPr lang="en-US" sz="1900" dirty="0"/>
+              <a:t> &lt; 0.001), mean of Y2 does not differ from Y3 (</a:t>
+            </a:r>
+            <a:r>
+              <a:rPr lang="en-US" sz="1900" i="1" dirty="0"/>
+              <a:t>p</a:t>
+            </a:r>
+            <a:r>
+              <a:rPr lang="en-US" sz="1900" dirty="0"/>
+              <a:t> = 0.163)</a:t>
+            </a:r>
+            <a:endParaRPr lang="en-US" sz="1900" b="1" dirty="0"/>
+          </a:p>
+          <a:p>
+            <a:pPr lvl="0"/>
+            <a:endParaRPr lang="en-US" sz="1900" dirty="0"/>
+          </a:p>
+          <a:p>
+            <a:pPr marL="342900" lvl="0" indent="-342900">
+              <a:buFont typeface="Arial" panose="020B0604020202020204" pitchFamily="34" charset="0"/>
+              <a:buChar char="•"/>
+            </a:pPr>
+            <a:r>
+              <a:rPr lang="en-US" sz="1900" dirty="0"/>
+              <a:t>Here α/2 = 0.025 is also defendable</a:t>
+            </a:r>
+            <a:endParaRPr lang="en-US" sz="1900" b="1" dirty="0"/>
+          </a:p>
+          <a:p>
+            <a:pPr lvl="0"/>
+            <a:endParaRPr lang="en-US" sz="1900" dirty="0"/>
+          </a:p>
+          <a:p>
+            <a:pPr marL="342900" lvl="0" indent="-342900">
+              <a:buFont typeface="Arial" panose="020B0604020202020204" pitchFamily="34" charset="0"/>
+              <a:buChar char="•"/>
+            </a:pPr>
+            <a:r>
+              <a:rPr lang="en-US" sz="1900" dirty="0"/>
+              <a:t>No test done of Y1 versus Y2 </a:t>
+            </a:r>
+            <a:r>
+              <a:rPr lang="en-US" sz="1900" dirty="0">
+                <a:sym typeface="Wingdings" panose="05000000000000000000" pitchFamily="2" charset="2"/>
+              </a:rPr>
+              <a:t></a:t>
+            </a:r>
+            <a:r>
+              <a:rPr lang="en-US" sz="1900" dirty="0"/>
+              <a:t> do the analysis again with a different option</a:t>
+            </a:r>
+          </a:p>
+        </p:txBody>
+      </p:sp>
     </p:spTree>
     <p:extLst>
       <p:ext uri="{BB962C8B-B14F-4D97-AF65-F5344CB8AC3E}">
-        <p14:creationId xmlns:p14="http://schemas.microsoft.com/office/powerpoint/2010/main" val="4239517216"/>
+        <p14:creationId xmlns:p14="http://schemas.microsoft.com/office/powerpoint/2010/main" val="1180597808"/>
       </p:ext>
     </p:extLst>
   </p:cSld>
@@ -12309,6 +12476,266 @@
         </p:nvSpPr>
         <p:spPr>
           <a:xfrm>
+            <a:off x="838200" y="1480184"/>
+            <a:ext cx="10515600" cy="4876165"/>
+          </a:xfrm>
+        </p:spPr>
+        <p:txBody>
+          <a:bodyPr>
+            <a:normAutofit lnSpcReduction="10000"/>
+          </a:bodyPr>
+          <a:lstStyle/>
+          <a:p>
+            <a:r>
+              <a:rPr lang="en-US" sz="1900" noProof="0" dirty="0"/>
+              <a:t>Another example of RM ANOVA now also with a between-subjects factor</a:t>
+            </a:r>
+          </a:p>
+          <a:p>
+            <a:pPr marL="0" indent="0">
+              <a:buNone/>
+            </a:pPr>
+            <a:endParaRPr lang="en-US" sz="1900" u="sng" noProof="0" dirty="0"/>
+          </a:p>
+          <a:p>
+            <a:pPr marL="0" indent="0">
+              <a:buNone/>
+            </a:pPr>
+            <a:r>
+              <a:rPr lang="en-US" sz="1900" u="sng" noProof="0" dirty="0"/>
+              <a:t>Dependent variable:</a:t>
+            </a:r>
+            <a:r>
+              <a:rPr lang="en-US" sz="1900" noProof="0" dirty="0"/>
+              <a:t> Satisfaction with material position 5 years ago, now, and expected in 5 years</a:t>
+            </a:r>
+          </a:p>
+          <a:p>
+            <a:pPr marL="0" indent="0">
+              <a:buNone/>
+            </a:pPr>
+            <a:endParaRPr lang="en-US" sz="1900" u="sng" noProof="0" dirty="0"/>
+          </a:p>
+          <a:p>
+            <a:pPr marL="0" indent="0">
+              <a:buNone/>
+            </a:pPr>
+            <a:r>
+              <a:rPr lang="en-US" sz="1900" u="sng" noProof="0" dirty="0"/>
+              <a:t>Independent variable:</a:t>
+            </a:r>
+            <a:r>
+              <a:rPr lang="en-US" sz="1900" noProof="0" dirty="0"/>
+              <a:t> </a:t>
+            </a:r>
+          </a:p>
+          <a:p>
+            <a:r>
+              <a:rPr lang="en-US" sz="1900" noProof="0" dirty="0"/>
+              <a:t>Within-subjects factor Time (3 levels)</a:t>
+            </a:r>
+          </a:p>
+          <a:p>
+            <a:r>
+              <a:rPr lang="en-US" sz="1900" noProof="0" dirty="0"/>
+              <a:t>Between-subjects factor Education (4 levels)</a:t>
+            </a:r>
+          </a:p>
+          <a:p>
+            <a:endParaRPr lang="en-US" sz="1900" noProof="0" dirty="0"/>
+          </a:p>
+          <a:p>
+            <a:pPr marL="0" indent="0">
+              <a:buNone/>
+            </a:pPr>
+            <a:r>
+              <a:rPr lang="en-US" sz="1900" u="sng" noProof="0" dirty="0"/>
+              <a:t>Hypotheses:</a:t>
+            </a:r>
+          </a:p>
+          <a:p>
+            <a:pPr marL="457200" indent="-457200">
+              <a:buFont typeface="+mj-lt"/>
+              <a:buAutoNum type="arabicPeriod"/>
+            </a:pPr>
+            <a:r>
+              <a:rPr lang="en-US" sz="1900" noProof="0" dirty="0"/>
+              <a:t>Time has an effect on satisfaction with material position</a:t>
+            </a:r>
+          </a:p>
+          <a:p>
+            <a:pPr marL="457200" indent="-457200">
+              <a:buFont typeface="+mj-lt"/>
+              <a:buAutoNum type="arabicPeriod"/>
+            </a:pPr>
+            <a:r>
+              <a:rPr lang="en-US" sz="1900" noProof="0" dirty="0"/>
+              <a:t>Education has an </a:t>
+            </a:r>
+            <a:r>
+              <a:rPr lang="en-US" sz="1900" noProof="0"/>
+              <a:t>effect on satisfaction </a:t>
+            </a:r>
+            <a:r>
+              <a:rPr lang="en-US" sz="1900" noProof="0" dirty="0"/>
+              <a:t>with material position</a:t>
+            </a:r>
+          </a:p>
+          <a:p>
+            <a:pPr marL="457200" indent="-457200">
+              <a:buFont typeface="+mj-lt"/>
+              <a:buAutoNum type="arabicPeriod"/>
+            </a:pPr>
+            <a:r>
+              <a:rPr lang="en-US" sz="1900" noProof="0" dirty="0"/>
+              <a:t>A </a:t>
+            </a:r>
+            <a:r>
+              <a:rPr lang="en-US" sz="1900" i="1" u="sng" noProof="0" dirty="0"/>
+              <a:t>positive</a:t>
+            </a:r>
+            <a:r>
+              <a:rPr lang="en-US" sz="1900" i="1" noProof="0" dirty="0"/>
+              <a:t> linear effect</a:t>
+            </a:r>
+            <a:r>
+              <a:rPr lang="en-US" sz="1900" noProof="0" dirty="0"/>
+              <a:t> is expected between time and satisfaction with material position</a:t>
+            </a:r>
+          </a:p>
+          <a:p>
+            <a:pPr marL="457200" indent="-457200">
+              <a:buFont typeface="+mj-lt"/>
+              <a:buAutoNum type="arabicPeriod"/>
+            </a:pPr>
+            <a:r>
+              <a:rPr lang="en-US" sz="1900" noProof="0" dirty="0"/>
+              <a:t>A </a:t>
+            </a:r>
+            <a:r>
+              <a:rPr lang="en-US" sz="1900" i="1" noProof="0" dirty="0"/>
+              <a:t>quadratic effect</a:t>
+            </a:r>
+            <a:r>
+              <a:rPr lang="en-US" sz="1900" noProof="0" dirty="0"/>
+              <a:t> is expected between time and satisfaction with material position</a:t>
+            </a:r>
+          </a:p>
+        </p:txBody>
+      </p:sp>
+      <p:sp>
+        <p:nvSpPr>
+          <p:cNvPr id="4" name="Footer Placeholder 3"/>
+          <p:cNvSpPr>
+            <a:spLocks noGrp="1"/>
+          </p:cNvSpPr>
+          <p:nvPr>
+            <p:ph type="ftr" sz="quarter" idx="11"/>
+          </p:nvPr>
+        </p:nvSpPr>
+        <p:spPr/>
+        <p:txBody>
+          <a:bodyPr/>
+          <a:lstStyle/>
+          <a:p>
+            <a:r>
+              <a:rPr lang="en-US" dirty="0"/>
+              <a:t>Lecture 10, ERM, MTO</a:t>
+            </a:r>
+            <a:endParaRPr lang="nl-NL" dirty="0"/>
+          </a:p>
+        </p:txBody>
+      </p:sp>
+      <p:sp>
+        <p:nvSpPr>
+          <p:cNvPr id="5" name="Slide Number Placeholder 4"/>
+          <p:cNvSpPr>
+            <a:spLocks noGrp="1"/>
+          </p:cNvSpPr>
+          <p:nvPr>
+            <p:ph type="sldNum" sz="quarter" idx="12"/>
+          </p:nvPr>
+        </p:nvSpPr>
+        <p:spPr/>
+        <p:txBody>
+          <a:bodyPr/>
+          <a:lstStyle/>
+          <a:p>
+            <a:fld id="{769E8580-8357-4286-A896-D8F0D06AAB1A}" type="slidenum">
+              <a:rPr lang="en-US" smtClean="0"/>
+              <a:t>23</a:t>
+            </a:fld>
+            <a:endParaRPr lang="en-US" dirty="0"/>
+          </a:p>
+        </p:txBody>
+      </p:sp>
+    </p:spTree>
+    <p:extLst>
+      <p:ext uri="{BB962C8B-B14F-4D97-AF65-F5344CB8AC3E}">
+        <p14:creationId xmlns:p14="http://schemas.microsoft.com/office/powerpoint/2010/main" val="4239517216"/>
+      </p:ext>
+    </p:extLst>
+  </p:cSld>
+  <p:clrMapOvr>
+    <a:masterClrMapping/>
+  </p:clrMapOvr>
+</p:sld>
+</file>
+
+<file path=ppt/slides/slide24.xml><?xml version="1.0" encoding="utf-8"?>
+<p:sld xmlns:a="http://schemas.openxmlformats.org/drawingml/2006/main" xmlns:r="http://schemas.openxmlformats.org/officeDocument/2006/relationships" xmlns:p="http://schemas.openxmlformats.org/presentationml/2006/main">
+  <p:cSld>
+    <p:spTree>
+      <p:nvGrpSpPr>
+        <p:cNvPr id="1" name=""/>
+        <p:cNvGrpSpPr/>
+        <p:nvPr/>
+      </p:nvGrpSpPr>
+      <p:grpSpPr>
+        <a:xfrm>
+          <a:off x="0" y="0"/>
+          <a:ext cx="0" cy="0"/>
+          <a:chOff x="0" y="0"/>
+          <a:chExt cx="0" cy="0"/>
+        </a:xfrm>
+      </p:grpSpPr>
+      <p:sp>
+        <p:nvSpPr>
+          <p:cNvPr id="2" name="Title 1"/>
+          <p:cNvSpPr>
+            <a:spLocks noGrp="1"/>
+          </p:cNvSpPr>
+          <p:nvPr>
+            <p:ph type="title"/>
+          </p:nvPr>
+        </p:nvSpPr>
+        <p:spPr/>
+        <p:txBody>
+          <a:bodyPr>
+            <a:normAutofit/>
+          </a:bodyPr>
+          <a:lstStyle/>
+          <a:p>
+            <a:pPr algn="ctr"/>
+            <a:r>
+              <a:rPr lang="en-US" sz="3200" noProof="0" dirty="0"/>
+              <a:t>Repeated measures ANOVA: Example II</a:t>
+            </a:r>
+          </a:p>
+        </p:txBody>
+      </p:sp>
+      <p:sp>
+        <p:nvSpPr>
+          <p:cNvPr id="3" name="Content Placeholder 2"/>
+          <p:cNvSpPr>
+            <a:spLocks noGrp="1"/>
+          </p:cNvSpPr>
+          <p:nvPr>
+            <p:ph idx="1"/>
+          </p:nvPr>
+        </p:nvSpPr>
+        <p:spPr>
+          <a:xfrm>
             <a:off x="838200" y="1896745"/>
             <a:ext cx="5430520" cy="4351338"/>
           </a:xfrm>
@@ -12423,7 +12850,7 @@
           <a:p>
             <a:fld id="{769E8580-8357-4286-A896-D8F0D06AAB1A}" type="slidenum">
               <a:rPr lang="en-US" smtClean="0"/>
-              <a:t>23</a:t>
+              <a:t>24</a:t>
             </a:fld>
             <a:endParaRPr lang="en-US" dirty="0"/>
           </a:p>
@@ -12466,7 +12893,7 @@
 </p:sld>
 </file>
 
-<file path=ppt/slides/slide24.xml><?xml version="1.0" encoding="utf-8"?>
+<file path=ppt/slides/slide25.xml><?xml version="1.0" encoding="utf-8"?>
 <p:sld xmlns:a="http://schemas.openxmlformats.org/drawingml/2006/main" xmlns:r="http://schemas.openxmlformats.org/officeDocument/2006/relationships" xmlns:p="http://schemas.openxmlformats.org/presentationml/2006/main">
   <p:cSld>
     <p:spTree>
@@ -12669,7 +13096,7 @@
           <a:p>
             <a:fld id="{769E8580-8357-4286-A896-D8F0D06AAB1A}" type="slidenum">
               <a:rPr lang="en-US" smtClean="0"/>
-              <a:t>24</a:t>
+              <a:t>25</a:t>
             </a:fld>
             <a:endParaRPr lang="en-US" dirty="0"/>
           </a:p>
@@ -12838,7 +13265,7 @@
 </p:sld>
 </file>
 
-<file path=ppt/slides/slide25.xml><?xml version="1.0" encoding="utf-8"?>
+<file path=ppt/slides/slide26.xml><?xml version="1.0" encoding="utf-8"?>
 <p:sld xmlns:a="http://schemas.openxmlformats.org/drawingml/2006/main" xmlns:r="http://schemas.openxmlformats.org/officeDocument/2006/relationships" xmlns:p="http://schemas.openxmlformats.org/presentationml/2006/main">
   <p:cSld>
     <p:spTree>
@@ -13062,7 +13489,7 @@
           <a:p>
             <a:fld id="{769E8580-8357-4286-A896-D8F0D06AAB1A}" type="slidenum">
               <a:rPr lang="en-US" smtClean="0"/>
-              <a:t>25</a:t>
+              <a:t>26</a:t>
             </a:fld>
             <a:endParaRPr lang="en-US" dirty="0"/>
           </a:p>
@@ -13151,7 +13578,7 @@
 </p:sld>
 </file>
 
-<file path=ppt/slides/slide26.xml><?xml version="1.0" encoding="utf-8"?>
+<file path=ppt/slides/slide27.xml><?xml version="1.0" encoding="utf-8"?>
 <p:sld xmlns:a="http://schemas.openxmlformats.org/drawingml/2006/main" xmlns:r="http://schemas.openxmlformats.org/officeDocument/2006/relationships" xmlns:p="http://schemas.openxmlformats.org/presentationml/2006/main">
   <p:cSld>
     <p:spTree>
@@ -13354,7 +13781,7 @@
           <a:p>
             <a:fld id="{769E8580-8357-4286-A896-D8F0D06AAB1A}" type="slidenum">
               <a:rPr lang="en-US" smtClean="0"/>
-              <a:t>26</a:t>
+              <a:t>27</a:t>
             </a:fld>
             <a:endParaRPr lang="en-US" dirty="0"/>
           </a:p>
@@ -13443,7 +13870,7 @@
 </p:sld>
 </file>
 
-<file path=ppt/slides/slide27.xml><?xml version="1.0" encoding="utf-8"?>
+<file path=ppt/slides/slide28.xml><?xml version="1.0" encoding="utf-8"?>
 <p:sld xmlns:a="http://schemas.openxmlformats.org/drawingml/2006/main" xmlns:r="http://schemas.openxmlformats.org/officeDocument/2006/relationships" xmlns:p="http://schemas.openxmlformats.org/presentationml/2006/main">
   <p:cSld>
     <p:spTree>
@@ -13638,7 +14065,7 @@
           <a:p>
             <a:fld id="{769E8580-8357-4286-A896-D8F0D06AAB1A}" type="slidenum">
               <a:rPr lang="en-US" smtClean="0"/>
-              <a:t>27</a:t>
+              <a:t>28</a:t>
             </a:fld>
             <a:endParaRPr lang="en-US" dirty="0"/>
           </a:p>
@@ -13727,7 +14154,7 @@
 </p:sld>
 </file>
 
-<file path=ppt/slides/slide28.xml><?xml version="1.0" encoding="utf-8"?>
+<file path=ppt/slides/slide29.xml><?xml version="1.0" encoding="utf-8"?>
 <p:sld xmlns:a="http://schemas.openxmlformats.org/drawingml/2006/main" xmlns:r="http://schemas.openxmlformats.org/officeDocument/2006/relationships" xmlns:p="http://schemas.openxmlformats.org/presentationml/2006/main">
   <p:cSld>
     <p:spTree>
@@ -13952,7 +14379,7 @@
           <a:p>
             <a:fld id="{769E8580-8357-4286-A896-D8F0D06AAB1A}" type="slidenum">
               <a:rPr lang="en-US" smtClean="0"/>
-              <a:t>28</a:t>
+              <a:t>29</a:t>
             </a:fld>
             <a:endParaRPr lang="en-US" dirty="0"/>
           </a:p>
@@ -14056,194 +14483,6 @@
     <p:extLst>
       <p:ext uri="{BB962C8B-B14F-4D97-AF65-F5344CB8AC3E}">
         <p14:creationId xmlns:p14="http://schemas.microsoft.com/office/powerpoint/2010/main" val="631032813"/>
-      </p:ext>
-    </p:extLst>
-  </p:cSld>
-  <p:clrMapOvr>
-    <a:masterClrMapping/>
-  </p:clrMapOvr>
-</p:sld>
-</file>
-
-<file path=ppt/slides/slide29.xml><?xml version="1.0" encoding="utf-8"?>
-<p:sld xmlns:a="http://schemas.openxmlformats.org/drawingml/2006/main" xmlns:r="http://schemas.openxmlformats.org/officeDocument/2006/relationships" xmlns:p="http://schemas.openxmlformats.org/presentationml/2006/main">
-  <p:cSld>
-    <p:spTree>
-      <p:nvGrpSpPr>
-        <p:cNvPr id="1" name=""/>
-        <p:cNvGrpSpPr/>
-        <p:nvPr/>
-      </p:nvGrpSpPr>
-      <p:grpSpPr>
-        <a:xfrm>
-          <a:off x="0" y="0"/>
-          <a:ext cx="0" cy="0"/>
-          <a:chOff x="0" y="0"/>
-          <a:chExt cx="0" cy="0"/>
-        </a:xfrm>
-      </p:grpSpPr>
-      <p:sp>
-        <p:nvSpPr>
-          <p:cNvPr id="2" name="Title 1"/>
-          <p:cNvSpPr>
-            <a:spLocks noGrp="1"/>
-          </p:cNvSpPr>
-          <p:nvPr>
-            <p:ph type="title"/>
-          </p:nvPr>
-        </p:nvSpPr>
-        <p:spPr/>
-        <p:txBody>
-          <a:bodyPr>
-            <a:normAutofit/>
-          </a:bodyPr>
-          <a:lstStyle/>
-          <a:p>
-            <a:pPr algn="ctr"/>
-            <a:r>
-              <a:rPr lang="en-US" sz="3200" noProof="0" dirty="0"/>
-              <a:t>Example II: Conclusions</a:t>
-            </a:r>
-          </a:p>
-        </p:txBody>
-      </p:sp>
-      <p:sp>
-        <p:nvSpPr>
-          <p:cNvPr id="3" name="Content Placeholder 2"/>
-          <p:cNvSpPr>
-            <a:spLocks noGrp="1"/>
-          </p:cNvSpPr>
-          <p:nvPr>
-            <p:ph idx="1"/>
-          </p:nvPr>
-        </p:nvSpPr>
-        <p:spPr>
-          <a:xfrm>
-            <a:off x="838200" y="1896745"/>
-            <a:ext cx="10053320" cy="4351338"/>
-          </a:xfrm>
-        </p:spPr>
-        <p:txBody>
-          <a:bodyPr>
-            <a:normAutofit/>
-          </a:bodyPr>
-          <a:lstStyle/>
-          <a:p>
-            <a:pPr lvl="0"/>
-            <a:r>
-              <a:rPr lang="en-US" sz="1900" noProof="0" dirty="0"/>
-              <a:t>The development of satisfaction with material position does not differ between </a:t>
-            </a:r>
-            <a:r>
-              <a:rPr lang="en-US" sz="1900" noProof="0"/>
-              <a:t>the four </a:t>
-            </a:r>
-            <a:r>
-              <a:rPr lang="en-US" sz="1900" noProof="0" dirty="0"/>
-              <a:t>levels of education (no interaction)</a:t>
-            </a:r>
-          </a:p>
-          <a:p>
-            <a:pPr lvl="0"/>
-            <a:endParaRPr lang="en-US" sz="1900" b="1" noProof="0" dirty="0"/>
-          </a:p>
-          <a:p>
-            <a:pPr lvl="0"/>
-            <a:r>
-              <a:rPr lang="en-US" sz="1900" noProof="0" dirty="0"/>
-              <a:t>Education has no effect on the satisfaction with the material position</a:t>
-            </a:r>
-          </a:p>
-          <a:p>
-            <a:pPr lvl="0"/>
-            <a:endParaRPr lang="en-US" sz="1900" b="1" noProof="0" dirty="0"/>
-          </a:p>
-          <a:p>
-            <a:pPr lvl="0"/>
-            <a:r>
-              <a:rPr lang="en-US" sz="1900" noProof="0" dirty="0"/>
-              <a:t>There is a positive linear effect of time on the satisfaction with the material position as well as a quadratic effect</a:t>
-            </a:r>
-          </a:p>
-          <a:p>
-            <a:pPr lvl="0"/>
-            <a:endParaRPr lang="en-US" sz="1900" noProof="0" dirty="0"/>
-          </a:p>
-          <a:p>
-            <a:pPr lvl="0"/>
-            <a:r>
-              <a:rPr lang="en-US" sz="1900" noProof="0" dirty="0"/>
-              <a:t>Note that only a small selection of output was shown on the slides </a:t>
-            </a:r>
-            <a:r>
-              <a:rPr lang="en-US" sz="1900" noProof="0" dirty="0">
-                <a:sym typeface="Wingdings" panose="05000000000000000000" pitchFamily="2" charset="2"/>
-              </a:rPr>
-              <a:t> SPSS returns a lot of output that we did not need for testing our hypotheses</a:t>
-            </a:r>
-            <a:endParaRPr lang="en-US" sz="1900" noProof="0" dirty="0"/>
-          </a:p>
-          <a:p>
-            <a:pPr marL="0" indent="0">
-              <a:buNone/>
-            </a:pPr>
-            <a:endParaRPr lang="en-US" sz="1900" noProof="0" dirty="0"/>
-          </a:p>
-          <a:p>
-            <a:endParaRPr lang="en-US" sz="1900" noProof="0" dirty="0"/>
-          </a:p>
-        </p:txBody>
-      </p:sp>
-      <p:sp>
-        <p:nvSpPr>
-          <p:cNvPr id="4" name="Footer Placeholder 3"/>
-          <p:cNvSpPr>
-            <a:spLocks noGrp="1"/>
-          </p:cNvSpPr>
-          <p:nvPr>
-            <p:ph type="ftr" sz="quarter" idx="11"/>
-          </p:nvPr>
-        </p:nvSpPr>
-        <p:spPr/>
-        <p:txBody>
-          <a:bodyPr/>
-          <a:lstStyle/>
-          <a:p>
-            <a:r>
-              <a:rPr lang="en-US" dirty="0"/>
-              <a:t>Lecture 10, ERM, MTO</a:t>
-            </a:r>
-            <a:endParaRPr lang="nl-NL" dirty="0"/>
-          </a:p>
-        </p:txBody>
-      </p:sp>
-      <p:sp>
-        <p:nvSpPr>
-          <p:cNvPr id="5" name="Slide Number Placeholder 4"/>
-          <p:cNvSpPr>
-            <a:spLocks noGrp="1"/>
-          </p:cNvSpPr>
-          <p:nvPr>
-            <p:ph type="sldNum" sz="quarter" idx="12"/>
-          </p:nvPr>
-        </p:nvSpPr>
-        <p:spPr/>
-        <p:txBody>
-          <a:bodyPr/>
-          <a:lstStyle/>
-          <a:p>
-            <a:fld id="{769E8580-8357-4286-A896-D8F0D06AAB1A}" type="slidenum">
-              <a:rPr lang="en-US" smtClean="0"/>
-              <a:t>29</a:t>
-            </a:fld>
-            <a:endParaRPr lang="en-US" dirty="0"/>
-          </a:p>
-        </p:txBody>
-      </p:sp>
-    </p:spTree>
-    <p:extLst>
-      <p:ext uri="{BB962C8B-B14F-4D97-AF65-F5344CB8AC3E}">
-        <p14:creationId xmlns:p14="http://schemas.microsoft.com/office/powerpoint/2010/main" val="2805311601"/>
       </p:ext>
     </p:extLst>
   </p:cSld>
@@ -14867,6 +15106,194 @@
             <p:ph type="title"/>
           </p:nvPr>
         </p:nvSpPr>
+        <p:spPr/>
+        <p:txBody>
+          <a:bodyPr>
+            <a:normAutofit/>
+          </a:bodyPr>
+          <a:lstStyle/>
+          <a:p>
+            <a:pPr algn="ctr"/>
+            <a:r>
+              <a:rPr lang="en-US" sz="3200" noProof="0" dirty="0"/>
+              <a:t>Example II: Conclusions</a:t>
+            </a:r>
+          </a:p>
+        </p:txBody>
+      </p:sp>
+      <p:sp>
+        <p:nvSpPr>
+          <p:cNvPr id="3" name="Content Placeholder 2"/>
+          <p:cNvSpPr>
+            <a:spLocks noGrp="1"/>
+          </p:cNvSpPr>
+          <p:nvPr>
+            <p:ph idx="1"/>
+          </p:nvPr>
+        </p:nvSpPr>
+        <p:spPr>
+          <a:xfrm>
+            <a:off x="838200" y="1896745"/>
+            <a:ext cx="10053320" cy="4351338"/>
+          </a:xfrm>
+        </p:spPr>
+        <p:txBody>
+          <a:bodyPr>
+            <a:normAutofit/>
+          </a:bodyPr>
+          <a:lstStyle/>
+          <a:p>
+            <a:pPr lvl="0"/>
+            <a:r>
+              <a:rPr lang="en-US" sz="1900" noProof="0" dirty="0"/>
+              <a:t>The development of satisfaction with material position does not differ between </a:t>
+            </a:r>
+            <a:r>
+              <a:rPr lang="en-US" sz="1900" noProof="0"/>
+              <a:t>the four </a:t>
+            </a:r>
+            <a:r>
+              <a:rPr lang="en-US" sz="1900" noProof="0" dirty="0"/>
+              <a:t>levels of education (no interaction)</a:t>
+            </a:r>
+          </a:p>
+          <a:p>
+            <a:pPr lvl="0"/>
+            <a:endParaRPr lang="en-US" sz="1900" b="1" noProof="0" dirty="0"/>
+          </a:p>
+          <a:p>
+            <a:pPr lvl="0"/>
+            <a:r>
+              <a:rPr lang="en-US" sz="1900" noProof="0" dirty="0"/>
+              <a:t>Education has no effect on the satisfaction with the material position</a:t>
+            </a:r>
+          </a:p>
+          <a:p>
+            <a:pPr lvl="0"/>
+            <a:endParaRPr lang="en-US" sz="1900" b="1" noProof="0" dirty="0"/>
+          </a:p>
+          <a:p>
+            <a:pPr lvl="0"/>
+            <a:r>
+              <a:rPr lang="en-US" sz="1900" noProof="0" dirty="0"/>
+              <a:t>There is a positive linear effect of time on the satisfaction with the material position as well as a quadratic effect</a:t>
+            </a:r>
+          </a:p>
+          <a:p>
+            <a:pPr lvl="0"/>
+            <a:endParaRPr lang="en-US" sz="1900" noProof="0" dirty="0"/>
+          </a:p>
+          <a:p>
+            <a:pPr lvl="0"/>
+            <a:r>
+              <a:rPr lang="en-US" sz="1900" noProof="0" dirty="0"/>
+              <a:t>Note that only a small selection of output was shown on the slides </a:t>
+            </a:r>
+            <a:r>
+              <a:rPr lang="en-US" sz="1900" noProof="0" dirty="0">
+                <a:sym typeface="Wingdings" panose="05000000000000000000" pitchFamily="2" charset="2"/>
+              </a:rPr>
+              <a:t> SPSS returns a lot of output that we did not need for testing our hypotheses</a:t>
+            </a:r>
+            <a:endParaRPr lang="en-US" sz="1900" noProof="0" dirty="0"/>
+          </a:p>
+          <a:p>
+            <a:pPr marL="0" indent="0">
+              <a:buNone/>
+            </a:pPr>
+            <a:endParaRPr lang="en-US" sz="1900" noProof="0" dirty="0"/>
+          </a:p>
+          <a:p>
+            <a:endParaRPr lang="en-US" sz="1900" noProof="0" dirty="0"/>
+          </a:p>
+        </p:txBody>
+      </p:sp>
+      <p:sp>
+        <p:nvSpPr>
+          <p:cNvPr id="4" name="Footer Placeholder 3"/>
+          <p:cNvSpPr>
+            <a:spLocks noGrp="1"/>
+          </p:cNvSpPr>
+          <p:nvPr>
+            <p:ph type="ftr" sz="quarter" idx="11"/>
+          </p:nvPr>
+        </p:nvSpPr>
+        <p:spPr/>
+        <p:txBody>
+          <a:bodyPr/>
+          <a:lstStyle/>
+          <a:p>
+            <a:r>
+              <a:rPr lang="en-US" dirty="0"/>
+              <a:t>Lecture 10, ERM, MTO</a:t>
+            </a:r>
+            <a:endParaRPr lang="nl-NL" dirty="0"/>
+          </a:p>
+        </p:txBody>
+      </p:sp>
+      <p:sp>
+        <p:nvSpPr>
+          <p:cNvPr id="5" name="Slide Number Placeholder 4"/>
+          <p:cNvSpPr>
+            <a:spLocks noGrp="1"/>
+          </p:cNvSpPr>
+          <p:nvPr>
+            <p:ph type="sldNum" sz="quarter" idx="12"/>
+          </p:nvPr>
+        </p:nvSpPr>
+        <p:spPr/>
+        <p:txBody>
+          <a:bodyPr/>
+          <a:lstStyle/>
+          <a:p>
+            <a:fld id="{769E8580-8357-4286-A896-D8F0D06AAB1A}" type="slidenum">
+              <a:rPr lang="en-US" smtClean="0"/>
+              <a:t>30</a:t>
+            </a:fld>
+            <a:endParaRPr lang="en-US" dirty="0"/>
+          </a:p>
+        </p:txBody>
+      </p:sp>
+    </p:spTree>
+    <p:extLst>
+      <p:ext uri="{BB962C8B-B14F-4D97-AF65-F5344CB8AC3E}">
+        <p14:creationId xmlns:p14="http://schemas.microsoft.com/office/powerpoint/2010/main" val="2805311601"/>
+      </p:ext>
+    </p:extLst>
+  </p:cSld>
+  <p:clrMapOvr>
+    <a:masterClrMapping/>
+  </p:clrMapOvr>
+</p:sld>
+</file>
+
+<file path=ppt/slides/slide31.xml><?xml version="1.0" encoding="utf-8"?>
+<p:sld xmlns:a="http://schemas.openxmlformats.org/drawingml/2006/main" xmlns:r="http://schemas.openxmlformats.org/officeDocument/2006/relationships" xmlns:p="http://schemas.openxmlformats.org/presentationml/2006/main">
+  <p:cSld>
+    <p:spTree>
+      <p:nvGrpSpPr>
+        <p:cNvPr id="1" name=""/>
+        <p:cNvGrpSpPr/>
+        <p:nvPr/>
+      </p:nvGrpSpPr>
+      <p:grpSpPr>
+        <a:xfrm>
+          <a:off x="0" y="0"/>
+          <a:ext cx="0" cy="0"/>
+          <a:chOff x="0" y="0"/>
+          <a:chExt cx="0" cy="0"/>
+        </a:xfrm>
+      </p:grpSpPr>
+      <p:sp>
+        <p:nvSpPr>
+          <p:cNvPr id="2" name="Title 1"/>
+          <p:cNvSpPr>
+            <a:spLocks noGrp="1"/>
+          </p:cNvSpPr>
+          <p:nvPr>
+            <p:ph type="title"/>
+          </p:nvPr>
+        </p:nvSpPr>
         <p:spPr>
           <a:xfrm>
             <a:off x="2152650" y="365127"/>
@@ -15002,7 +15429,7 @@
           <a:p>
             <a:fld id="{769E8580-8357-4286-A896-D8F0D06AAB1A}" type="slidenum">
               <a:rPr lang="en-US" smtClean="0"/>
-              <a:t>30</a:t>
+              <a:t>31</a:t>
             </a:fld>
             <a:endParaRPr lang="en-US" dirty="0"/>
           </a:p>
@@ -17843,11 +18270,18 @@
           <a:p>
             <a:r>
               <a:rPr lang="en-US" sz="1900" noProof="0" dirty="0"/>
-              <a:t>You are not interested in the effect S, the </a:t>
+              <a:t>You are not interested in the effect of S, but you want to control for it.</a:t>
+            </a:r>
+            <a:br>
+              <a:rPr lang="en-US" sz="1900" noProof="0" dirty="0"/>
+            </a:br>
+            <a:r>
+              <a:rPr lang="en-US" sz="1900" noProof="0" dirty="0"/>
+              <a:t>The </a:t>
             </a:r>
             <a:r>
               <a:rPr lang="en-US" sz="1900" u="sng" noProof="0" dirty="0"/>
-              <a:t>subject acts as control for him-/herself (reduction of error variance)</a:t>
+              <a:t>participant acts as control for him-/herself (reduction of error variance)</a:t>
             </a:r>
             <a:endParaRPr lang="en-US" sz="1900" noProof="0" dirty="0"/>
           </a:p>
